--- a/宣道詩/(宣道詩213)以愛相繫.pptx
+++ b/宣道詩/(宣道詩213)以愛相繫.pptx
@@ -5,11 +5,17 @@
     <p:sldMasterId id="2147483660" r:id="rId1"/>
   </p:sldMasterIdLst>
   <p:sldIdLst>
-    <p:sldId id="257" r:id="rId2"/>
-    <p:sldId id="258" r:id="rId3"/>
-    <p:sldId id="259" r:id="rId4"/>
-    <p:sldId id="260" r:id="rId5"/>
-    <p:sldId id="261" r:id="rId6"/>
+    <p:sldId id="262" r:id="rId2"/>
+    <p:sldId id="263" r:id="rId3"/>
+    <p:sldId id="264" r:id="rId4"/>
+    <p:sldId id="265" r:id="rId5"/>
+    <p:sldId id="266" r:id="rId6"/>
+    <p:sldId id="267" r:id="rId7"/>
+    <p:sldId id="268" r:id="rId8"/>
+    <p:sldId id="269" r:id="rId9"/>
+    <p:sldId id="270" r:id="rId10"/>
+    <p:sldId id="271" r:id="rId11"/>
+    <p:sldId id="272" r:id="rId12"/>
   </p:sldIdLst>
   <p:sldSz cx="12192000" cy="6858000"/>
   <p:notesSz cx="6858000" cy="9144000"/>
@@ -108,6 +114,11 @@
       </a:defRPr>
     </a:lvl9pPr>
   </p:defaultTextStyle>
+  <p:extLst>
+    <p:ext uri="{EFAFB233-063F-42B5-8137-9DF3F51BA10A}">
+      <p15:sldGuideLst xmlns:p15="http://schemas.microsoft.com/office/powerpoint/2012/main"/>
+    </p:ext>
+  </p:extLst>
 </p:presentation>
 </file>
 
@@ -292,7 +303,7 @@
           <a:p>
             <a:fld id="{48BE76A3-BCAA-4B9D-B783-C5DC5F4144ED}" type="datetimeFigureOut">
               <a:rPr lang="vi-VN" smtClean="0"/>
-              <a:t>27/06/2020</a:t>
+              <a:t>21/05/2022</a:t>
             </a:fld>
             <a:endParaRPr lang="vi-VN"/>
           </a:p>
@@ -462,7 +473,7 @@
           <a:p>
             <a:fld id="{48BE76A3-BCAA-4B9D-B783-C5DC5F4144ED}" type="datetimeFigureOut">
               <a:rPr lang="vi-VN" smtClean="0"/>
-              <a:t>27/06/2020</a:t>
+              <a:t>21/05/2022</a:t>
             </a:fld>
             <a:endParaRPr lang="vi-VN"/>
           </a:p>
@@ -642,7 +653,7 @@
           <a:p>
             <a:fld id="{48BE76A3-BCAA-4B9D-B783-C5DC5F4144ED}" type="datetimeFigureOut">
               <a:rPr lang="vi-VN" smtClean="0"/>
-              <a:t>27/06/2020</a:t>
+              <a:t>21/05/2022</a:t>
             </a:fld>
             <a:endParaRPr lang="vi-VN"/>
           </a:p>
@@ -812,7 +823,7 @@
           <a:p>
             <a:fld id="{48BE76A3-BCAA-4B9D-B783-C5DC5F4144ED}" type="datetimeFigureOut">
               <a:rPr lang="vi-VN" smtClean="0"/>
-              <a:t>27/06/2020</a:t>
+              <a:t>21/05/2022</a:t>
             </a:fld>
             <a:endParaRPr lang="vi-VN"/>
           </a:p>
@@ -1058,7 +1069,7 @@
           <a:p>
             <a:fld id="{48BE76A3-BCAA-4B9D-B783-C5DC5F4144ED}" type="datetimeFigureOut">
               <a:rPr lang="vi-VN" smtClean="0"/>
-              <a:t>27/06/2020</a:t>
+              <a:t>21/05/2022</a:t>
             </a:fld>
             <a:endParaRPr lang="vi-VN"/>
           </a:p>
@@ -1346,7 +1357,7 @@
           <a:p>
             <a:fld id="{48BE76A3-BCAA-4B9D-B783-C5DC5F4144ED}" type="datetimeFigureOut">
               <a:rPr lang="vi-VN" smtClean="0"/>
-              <a:t>27/06/2020</a:t>
+              <a:t>21/05/2022</a:t>
             </a:fld>
             <a:endParaRPr lang="vi-VN"/>
           </a:p>
@@ -1768,7 +1779,7 @@
           <a:p>
             <a:fld id="{48BE76A3-BCAA-4B9D-B783-C5DC5F4144ED}" type="datetimeFigureOut">
               <a:rPr lang="vi-VN" smtClean="0"/>
-              <a:t>27/06/2020</a:t>
+              <a:t>21/05/2022</a:t>
             </a:fld>
             <a:endParaRPr lang="vi-VN"/>
           </a:p>
@@ -1886,7 +1897,7 @@
           <a:p>
             <a:fld id="{48BE76A3-BCAA-4B9D-B783-C5DC5F4144ED}" type="datetimeFigureOut">
               <a:rPr lang="vi-VN" smtClean="0"/>
-              <a:t>27/06/2020</a:t>
+              <a:t>21/05/2022</a:t>
             </a:fld>
             <a:endParaRPr lang="vi-VN"/>
           </a:p>
@@ -1981,7 +1992,7 @@
           <a:p>
             <a:fld id="{48BE76A3-BCAA-4B9D-B783-C5DC5F4144ED}" type="datetimeFigureOut">
               <a:rPr lang="vi-VN" smtClean="0"/>
-              <a:t>27/06/2020</a:t>
+              <a:t>21/05/2022</a:t>
             </a:fld>
             <a:endParaRPr lang="vi-VN"/>
           </a:p>
@@ -2258,7 +2269,7 @@
           <a:p>
             <a:fld id="{48BE76A3-BCAA-4B9D-B783-C5DC5F4144ED}" type="datetimeFigureOut">
               <a:rPr lang="vi-VN" smtClean="0"/>
-              <a:t>27/06/2020</a:t>
+              <a:t>21/05/2022</a:t>
             </a:fld>
             <a:endParaRPr lang="vi-VN"/>
           </a:p>
@@ -2515,7 +2526,7 @@
           <a:p>
             <a:fld id="{48BE76A3-BCAA-4B9D-B783-C5DC5F4144ED}" type="datetimeFigureOut">
               <a:rPr lang="vi-VN" smtClean="0"/>
-              <a:t>27/06/2020</a:t>
+              <a:t>21/05/2022</a:t>
             </a:fld>
             <a:endParaRPr lang="vi-VN"/>
           </a:p>
@@ -2733,7 +2744,7 @@
           <a:p>
             <a:fld id="{48BE76A3-BCAA-4B9D-B783-C5DC5F4144ED}" type="datetimeFigureOut">
               <a:rPr lang="vi-VN" smtClean="0"/>
-              <a:t>27/06/2020</a:t>
+              <a:t>21/05/2022</a:t>
             </a:fld>
             <a:endParaRPr lang="vi-VN"/>
           </a:p>
@@ -3110,7 +3121,7 @@
       </p:grpSpPr>
       <p:sp>
         <p:nvSpPr>
-          <p:cNvPr id="2" name="Title 1"/>
+          <p:cNvPr id="4" name="標題 3"/>
           <p:cNvSpPr>
             <a:spLocks noGrp="1"/>
           </p:cNvSpPr>
@@ -3118,159 +3129,250 @@
             <p:ph type="title"/>
           </p:nvPr>
         </p:nvSpPr>
-        <p:spPr/>
+        <p:spPr>
+          <a:xfrm>
+            <a:off x="0" y="2660915"/>
+            <a:ext cx="12192000" cy="1143000"/>
+          </a:xfrm>
+        </p:spPr>
         <p:txBody>
           <a:bodyPr>
+            <a:noAutofit/>
+          </a:bodyPr>
+          <a:lstStyle/>
+          <a:p>
+            <a:r>
+              <a:rPr lang="zh-CN" altLang="en-US" sz="5333" b="1" u="sng" dirty="0">
+                <a:solidFill>
+                  <a:srgbClr val="000066"/>
+                </a:solidFill>
+                <a:effectLst>
+                  <a:outerShdw blurRad="38100" dist="38100" dir="2700000" algn="tl">
+                    <a:srgbClr val="000000">
+                      <a:alpha val="43137"/>
+                    </a:srgbClr>
+                  </a:outerShdw>
+                </a:effectLst>
+                <a:latin typeface="微軟正黑體" pitchFamily="34" charset="-120"/>
+                <a:ea typeface="微軟正黑體" pitchFamily="34" charset="-120"/>
+              </a:rPr>
+              <a:t>宣道詩 </a:t>
+            </a:r>
+            <a:r>
+              <a:rPr lang="en-US" altLang="zh-CN" sz="5333" b="1" u="sng" dirty="0">
+                <a:solidFill>
+                  <a:srgbClr val="000066"/>
+                </a:solidFill>
+                <a:effectLst>
+                  <a:outerShdw blurRad="38100" dist="38100" dir="2700000" algn="tl">
+                    <a:srgbClr val="000000">
+                      <a:alpha val="43137"/>
+                    </a:srgbClr>
+                  </a:outerShdw>
+                </a:effectLst>
+                <a:latin typeface="微軟正黑體" pitchFamily="34" charset="-120"/>
+                <a:ea typeface="微軟正黑體" pitchFamily="34" charset="-120"/>
+              </a:rPr>
+              <a:t>213</a:t>
+            </a:r>
+            <a:r>
+              <a:rPr lang="en-US" altLang="zh-CN" sz="7200" b="1" i="1" dirty="0">
+                <a:solidFill>
+                  <a:srgbClr val="660033"/>
+                </a:solidFill>
+                <a:effectLst>
+                  <a:outerShdw blurRad="38100" dist="38100" dir="2700000" algn="tl">
+                    <a:srgbClr val="000000">
+                      <a:alpha val="43137"/>
+                    </a:srgbClr>
+                  </a:outerShdw>
+                </a:effectLst>
+                <a:latin typeface="微軟正黑體" pitchFamily="34" charset="-120"/>
+                <a:ea typeface="微軟正黑體" pitchFamily="34" charset="-120"/>
+              </a:rPr>
+              <a:t/>
+            </a:r>
+            <a:br>
+              <a:rPr lang="en-US" altLang="zh-CN" sz="7200" b="1" i="1" dirty="0">
+                <a:solidFill>
+                  <a:srgbClr val="660033"/>
+                </a:solidFill>
+                <a:effectLst>
+                  <a:outerShdw blurRad="38100" dist="38100" dir="2700000" algn="tl">
+                    <a:srgbClr val="000000">
+                      <a:alpha val="43137"/>
+                    </a:srgbClr>
+                  </a:outerShdw>
+                </a:effectLst>
+                <a:latin typeface="微軟正黑體" pitchFamily="34" charset="-120"/>
+                <a:ea typeface="微軟正黑體" pitchFamily="34" charset="-120"/>
+              </a:rPr>
+            </a:br>
+            <a:r>
+              <a:rPr lang="zh-CN" altLang="en-US" sz="8000" b="1" dirty="0">
+                <a:solidFill>
+                  <a:srgbClr val="660033"/>
+                </a:solidFill>
+                <a:effectLst>
+                  <a:outerShdw blurRad="38100" dist="38100" dir="2700000" algn="tl">
+                    <a:srgbClr val="000000">
+                      <a:alpha val="43137"/>
+                    </a:srgbClr>
+                  </a:outerShdw>
+                </a:effectLst>
+                <a:latin typeface="微軟正黑體" pitchFamily="34" charset="-120"/>
+                <a:ea typeface="微軟正黑體" pitchFamily="34" charset="-120"/>
+              </a:rPr>
+              <a:t>以</a:t>
+            </a:r>
+            <a:r>
+              <a:rPr lang="zh-CN" altLang="en-US" sz="8000" b="1" dirty="0">
+                <a:solidFill>
+                  <a:srgbClr val="660033"/>
+                </a:solidFill>
+                <a:effectLst>
+                  <a:outerShdw blurRad="38100" dist="38100" dir="2700000" algn="tl">
+                    <a:srgbClr val="000000">
+                      <a:alpha val="43137"/>
+                    </a:srgbClr>
+                  </a:outerShdw>
+                </a:effectLst>
+                <a:latin typeface="微軟正黑體" pitchFamily="34" charset="-120"/>
+                <a:ea typeface="微軟正黑體" pitchFamily="34" charset="-120"/>
+              </a:rPr>
+              <a:t>愛相繫</a:t>
+            </a:r>
+            <a:endParaRPr lang="zh-TW" altLang="en-US" sz="8000" b="1" dirty="0">
+              <a:solidFill>
+                <a:srgbClr val="660033"/>
+              </a:solidFill>
+              <a:effectLst>
+                <a:outerShdw blurRad="38100" dist="38100" dir="2700000" algn="tl">
+                  <a:srgbClr val="000000">
+                    <a:alpha val="43137"/>
+                  </a:srgbClr>
+                </a:outerShdw>
+              </a:effectLst>
+              <a:latin typeface="微軟正黑體" pitchFamily="34" charset="-120"/>
+              <a:ea typeface="微軟正黑體" pitchFamily="34" charset="-120"/>
+            </a:endParaRPr>
+          </a:p>
+        </p:txBody>
+      </p:sp>
+    </p:spTree>
+    <p:extLst>
+      <p:ext uri="{BB962C8B-B14F-4D97-AF65-F5344CB8AC3E}">
+        <p14:creationId xmlns:p14="http://schemas.microsoft.com/office/powerpoint/2010/main" val="2879319628"/>
+      </p:ext>
+    </p:extLst>
+  </p:cSld>
+  <p:clrMapOvr>
+    <a:masterClrMapping/>
+  </p:clrMapOvr>
+  <p:timing>
+    <p:tnLst>
+      <p:par>
+        <p:cTn id="1" dur="indefinite" restart="never" nodeType="tmRoot"/>
+      </p:par>
+    </p:tnLst>
+  </p:timing>
+</p:sld>
+</file>
+
+<file path=ppt/slides/slide10.xml><?xml version="1.0" encoding="utf-8"?>
+<p:sld xmlns:a="http://schemas.openxmlformats.org/drawingml/2006/main" xmlns:r="http://schemas.openxmlformats.org/officeDocument/2006/relationships" xmlns:p="http://schemas.openxmlformats.org/presentationml/2006/main">
+  <p:cSld>
+    <p:spTree>
+      <p:nvGrpSpPr>
+        <p:cNvPr id="1" name=""/>
+        <p:cNvGrpSpPr/>
+        <p:nvPr/>
+      </p:nvGrpSpPr>
+      <p:grpSpPr>
+        <a:xfrm>
+          <a:off x="0" y="0"/>
+          <a:ext cx="0" cy="0"/>
+          <a:chOff x="0" y="0"/>
+          <a:chExt cx="0" cy="0"/>
+        </a:xfrm>
+      </p:grpSpPr>
+      <p:sp>
+        <p:nvSpPr>
+          <p:cNvPr id="5" name="內容版面配置區 4"/>
+          <p:cNvSpPr>
+            <a:spLocks noGrp="1"/>
+          </p:cNvSpPr>
+          <p:nvPr>
+            <p:ph idx="1"/>
+          </p:nvPr>
+        </p:nvSpPr>
+        <p:spPr>
+          <a:xfrm>
+            <a:off x="0" y="2084851"/>
+            <a:ext cx="12192000" cy="2404863"/>
+          </a:xfrm>
+        </p:spPr>
+        <p:txBody>
+          <a:bodyPr anchor="ctr">
             <a:normAutofit/>
           </a:bodyPr>
           <a:lstStyle/>
           <a:p>
-            <a:r>
-              <a:rPr lang="zh-CN" altLang="en-US" sz="4800" b="1" dirty="0">
+            <a:pPr marL="0" indent="0" algn="ctr">
+              <a:buNone/>
+            </a:pPr>
+            <a:r>
+              <a:rPr lang="zh-TW" altLang="en-US" sz="6400" b="1" dirty="0">
+                <a:solidFill>
+                  <a:srgbClr val="660033"/>
+                </a:solidFill>
                 <a:latin typeface="Microsoft JhengHei" panose="020B0604030504040204" pitchFamily="34" charset="-120"/>
                 <a:ea typeface="Microsoft JhengHei" panose="020B0604030504040204" pitchFamily="34" charset="-120"/>
               </a:rPr>
-              <a:t>以愛相繫</a:t>
-            </a:r>
-            <a:endParaRPr lang="vi-VN" sz="4800" b="1" dirty="0">
+              <a:t>在天永無勞苦</a:t>
+            </a:r>
+            <a:endParaRPr lang="en-US" altLang="zh-TW" sz="6400" b="1" dirty="0">
+              <a:solidFill>
+                <a:srgbClr val="660033"/>
+              </a:solidFill>
+              <a:latin typeface="Microsoft JhengHei" panose="020B0604030504040204" pitchFamily="34" charset="-120"/>
               <a:ea typeface="Microsoft JhengHei" panose="020B0604030504040204" pitchFamily="34" charset="-120"/>
             </a:endParaRPr>
           </a:p>
-        </p:txBody>
-      </p:sp>
-      <p:sp>
-        <p:nvSpPr>
-          <p:cNvPr id="3" name="Content Placeholder 2"/>
-          <p:cNvSpPr>
-            <a:spLocks noGrp="1"/>
-          </p:cNvSpPr>
-          <p:nvPr>
-            <p:ph idx="1"/>
-          </p:nvPr>
-        </p:nvSpPr>
-        <p:spPr/>
-        <p:txBody>
-          <a:bodyPr>
-            <a:normAutofit/>
-          </a:bodyPr>
-          <a:lstStyle/>
           <a:p>
             <a:pPr marL="0" indent="0" algn="ctr">
               <a:buNone/>
             </a:pPr>
             <a:r>
-              <a:rPr lang="zh-TW" altLang="en-US" sz="5400" b="1" dirty="0">
+              <a:rPr lang="zh-TW" altLang="en-US" sz="6400" b="1" dirty="0">
+                <a:solidFill>
+                  <a:srgbClr val="660033"/>
+                </a:solidFill>
                 <a:latin typeface="Microsoft JhengHei" panose="020B0604030504040204" pitchFamily="34" charset="-120"/>
                 <a:ea typeface="Microsoft JhengHei" panose="020B0604030504040204" pitchFamily="34" charset="-120"/>
               </a:rPr>
-              <a:t>福哉愛主聖</a:t>
-            </a:r>
-            <a:r>
-              <a:rPr lang="zh-TW" altLang="en-US" sz="5400" b="1" dirty="0" smtClean="0">
-                <a:latin typeface="Microsoft JhengHei" panose="020B0604030504040204" pitchFamily="34" charset="-120"/>
-                <a:ea typeface="Microsoft JhengHei" panose="020B0604030504040204" pitchFamily="34" charset="-120"/>
-              </a:rPr>
-              <a:t>徒</a:t>
-            </a:r>
-            <a:endParaRPr lang="en-US" altLang="zh-TW" sz="5400" b="1" dirty="0" smtClean="0">
+              <a:t>罪孽永無存留</a:t>
+            </a:r>
+            <a:endParaRPr lang="en-US" altLang="zh-TW" sz="6400" b="1" dirty="0">
+              <a:solidFill>
+                <a:srgbClr val="660033"/>
+              </a:solidFill>
               <a:latin typeface="Microsoft JhengHei" panose="020B0604030504040204" pitchFamily="34" charset="-120"/>
               <a:ea typeface="Microsoft JhengHei" panose="020B0604030504040204" pitchFamily="34" charset="-120"/>
             </a:endParaRPr>
           </a:p>
-          <a:p>
-            <a:pPr marL="0" indent="0" algn="ctr">
-              <a:buNone/>
-            </a:pPr>
-            <a:r>
-              <a:rPr lang="zh-TW" altLang="en-US" sz="5400" b="1" dirty="0" smtClean="0">
-                <a:latin typeface="Microsoft JhengHei" panose="020B0604030504040204" pitchFamily="34" charset="-120"/>
-                <a:ea typeface="Microsoft JhengHei" panose="020B0604030504040204" pitchFamily="34" charset="-120"/>
-              </a:rPr>
-              <a:t>彼</a:t>
-            </a:r>
-            <a:r>
-              <a:rPr lang="zh-TW" altLang="en-US" sz="5400" b="1" dirty="0">
-                <a:latin typeface="Microsoft JhengHei" panose="020B0604030504040204" pitchFamily="34" charset="-120"/>
-                <a:ea typeface="Microsoft JhengHei" panose="020B0604030504040204" pitchFamily="34" charset="-120"/>
-              </a:rPr>
-              <a:t>此以愛相</a:t>
-            </a:r>
-            <a:r>
-              <a:rPr lang="zh-TW" altLang="en-US" sz="5400" b="1" dirty="0" smtClean="0">
-                <a:latin typeface="Microsoft JhengHei" panose="020B0604030504040204" pitchFamily="34" charset="-120"/>
-                <a:ea typeface="Microsoft JhengHei" panose="020B0604030504040204" pitchFamily="34" charset="-120"/>
-              </a:rPr>
-              <a:t>繫</a:t>
-            </a:r>
-            <a:endParaRPr lang="en-US" altLang="zh-TW" sz="5400" b="1" dirty="0">
-              <a:latin typeface="Microsoft JhengHei" panose="020B0604030504040204" pitchFamily="34" charset="-120"/>
-              <a:ea typeface="Microsoft JhengHei" panose="020B0604030504040204" pitchFamily="34" charset="-120"/>
-            </a:endParaRPr>
-          </a:p>
-          <a:p>
-            <a:pPr marL="0" indent="0" algn="ctr">
-              <a:buNone/>
-            </a:pPr>
-            <a:r>
-              <a:rPr lang="zh-TW" altLang="en-US" sz="5400" b="1" dirty="0" smtClean="0">
-                <a:latin typeface="Microsoft JhengHei" panose="020B0604030504040204" pitchFamily="34" charset="-120"/>
-                <a:ea typeface="Microsoft JhengHei" panose="020B0604030504040204" pitchFamily="34" charset="-120"/>
-              </a:rPr>
-              <a:t>在</a:t>
-            </a:r>
-            <a:r>
-              <a:rPr lang="zh-TW" altLang="en-US" sz="5400" b="1" dirty="0">
-                <a:latin typeface="Microsoft JhengHei" panose="020B0604030504040204" pitchFamily="34" charset="-120"/>
-                <a:ea typeface="Microsoft JhengHei" panose="020B0604030504040204" pitchFamily="34" charset="-120"/>
-              </a:rPr>
-              <a:t>世和睦同心合</a:t>
-            </a:r>
-            <a:r>
-              <a:rPr lang="zh-TW" altLang="en-US" sz="5400" b="1" dirty="0" smtClean="0">
-                <a:latin typeface="Microsoft JhengHei" panose="020B0604030504040204" pitchFamily="34" charset="-120"/>
-                <a:ea typeface="Microsoft JhengHei" panose="020B0604030504040204" pitchFamily="34" charset="-120"/>
-              </a:rPr>
-              <a:t>意</a:t>
-            </a:r>
-            <a:endParaRPr lang="en-US" altLang="zh-TW" sz="5400" b="1" dirty="0" smtClean="0">
-              <a:latin typeface="Microsoft JhengHei" panose="020B0604030504040204" pitchFamily="34" charset="-120"/>
-              <a:ea typeface="Microsoft JhengHei" panose="020B0604030504040204" pitchFamily="34" charset="-120"/>
-            </a:endParaRPr>
-          </a:p>
-          <a:p>
-            <a:pPr marL="0" indent="0" algn="ctr">
-              <a:buNone/>
-            </a:pPr>
-            <a:r>
-              <a:rPr lang="zh-TW" altLang="en-US" sz="5400" b="1" dirty="0" smtClean="0">
-                <a:latin typeface="Microsoft JhengHei" panose="020B0604030504040204" pitchFamily="34" charset="-120"/>
-                <a:ea typeface="Microsoft JhengHei" panose="020B0604030504040204" pitchFamily="34" charset="-120"/>
-              </a:rPr>
-              <a:t>真</a:t>
-            </a:r>
-            <a:r>
-              <a:rPr lang="zh-TW" altLang="en-US" sz="5400" b="1" dirty="0">
-                <a:latin typeface="Microsoft JhengHei" panose="020B0604030504040204" pitchFamily="34" charset="-120"/>
-                <a:ea typeface="Microsoft JhengHei" panose="020B0604030504040204" pitchFamily="34" charset="-120"/>
-              </a:rPr>
-              <a:t>如天上無異</a:t>
-            </a:r>
-            <a:endParaRPr lang="vi-VN" sz="5400" b="1" dirty="0">
-              <a:ea typeface="Microsoft JhengHei" panose="020B0604030504040204" pitchFamily="34" charset="-120"/>
-            </a:endParaRPr>
-          </a:p>
-        </p:txBody>
-      </p:sp>
-      <p:sp>
-        <p:nvSpPr>
-          <p:cNvPr id="4" name="TextBox 3"/>
+        </p:txBody>
+      </p:sp>
+      <p:sp>
+        <p:nvSpPr>
+          <p:cNvPr id="3" name="TextBox 2"/>
           <p:cNvSpPr txBox="1"/>
           <p:nvPr/>
         </p:nvSpPr>
         <p:spPr>
           <a:xfrm>
-            <a:off x="1205339" y="1749794"/>
-            <a:ext cx="1008112" cy="923330"/>
+            <a:off x="0" y="5061182"/>
+            <a:ext cx="12192000" cy="830997"/>
           </a:xfrm>
           <a:prstGeom prst="rect">
             <a:avLst/>
@@ -3283,24 +3385,183 @@
           </a:bodyPr>
           <a:lstStyle/>
           <a:p>
-            <a:r>
-              <a:rPr lang="en-US" sz="5400" b="1" dirty="0" smtClean="0"/>
-              <a:t>1.</a:t>
-            </a:r>
-            <a:endParaRPr lang="vi-VN" sz="5400" b="1" dirty="0"/>
+            <a:pPr algn="ctr"/>
+            <a:r>
+              <a:rPr lang="en-US" sz="4800" b="1" dirty="0">
+                <a:solidFill>
+                  <a:srgbClr val="660033"/>
+                </a:solidFill>
+              </a:rPr>
+              <a:t>( 5 / 5 )</a:t>
+            </a:r>
+            <a:endParaRPr lang="vi-VN" sz="4800" b="1" dirty="0">
+              <a:solidFill>
+                <a:srgbClr val="660033"/>
+              </a:solidFill>
+            </a:endParaRPr>
           </a:p>
         </p:txBody>
       </p:sp>
     </p:spTree>
     <p:extLst>
       <p:ext uri="{BB962C8B-B14F-4D97-AF65-F5344CB8AC3E}">
-        <p14:creationId xmlns:p14="http://schemas.microsoft.com/office/powerpoint/2010/main" val="2731619890"/>
+        <p14:creationId xmlns:p14="http://schemas.microsoft.com/office/powerpoint/2010/main" val="1875834831"/>
       </p:ext>
     </p:extLst>
   </p:cSld>
   <p:clrMapOvr>
     <a:masterClrMapping/>
   </p:clrMapOvr>
+  <p:timing>
+    <p:tnLst>
+      <p:par>
+        <p:cTn id="1" dur="indefinite" restart="never" nodeType="tmRoot"/>
+      </p:par>
+    </p:tnLst>
+  </p:timing>
+</p:sld>
+</file>
+
+<file path=ppt/slides/slide11.xml><?xml version="1.0" encoding="utf-8"?>
+<p:sld xmlns:a="http://schemas.openxmlformats.org/drawingml/2006/main" xmlns:r="http://schemas.openxmlformats.org/officeDocument/2006/relationships" xmlns:p="http://schemas.openxmlformats.org/presentationml/2006/main">
+  <p:cSld>
+    <p:spTree>
+      <p:nvGrpSpPr>
+        <p:cNvPr id="1" name=""/>
+        <p:cNvGrpSpPr/>
+        <p:nvPr/>
+      </p:nvGrpSpPr>
+      <p:grpSpPr>
+        <a:xfrm>
+          <a:off x="0" y="0"/>
+          <a:ext cx="0" cy="0"/>
+          <a:chOff x="0" y="0"/>
+          <a:chExt cx="0" cy="0"/>
+        </a:xfrm>
+      </p:grpSpPr>
+      <p:sp>
+        <p:nvSpPr>
+          <p:cNvPr id="5" name="內容版面配置區 4"/>
+          <p:cNvSpPr>
+            <a:spLocks noGrp="1"/>
+          </p:cNvSpPr>
+          <p:nvPr>
+            <p:ph idx="1"/>
+          </p:nvPr>
+        </p:nvSpPr>
+        <p:spPr>
+          <a:xfrm>
+            <a:off x="0" y="2084851"/>
+            <a:ext cx="12192000" cy="2404863"/>
+          </a:xfrm>
+        </p:spPr>
+        <p:txBody>
+          <a:bodyPr anchor="ctr">
+            <a:normAutofit/>
+          </a:bodyPr>
+          <a:lstStyle/>
+          <a:p>
+            <a:pPr marL="0" indent="0" algn="ctr">
+              <a:buNone/>
+            </a:pPr>
+            <a:r>
+              <a:rPr lang="zh-TW" altLang="en-US" sz="6400" b="1" dirty="0">
+                <a:solidFill>
+                  <a:srgbClr val="660033"/>
+                </a:solidFill>
+                <a:latin typeface="Microsoft JhengHei" panose="020B0604030504040204" pitchFamily="34" charset="-120"/>
+                <a:ea typeface="Microsoft JhengHei" panose="020B0604030504040204" pitchFamily="34" charset="-120"/>
+              </a:rPr>
+              <a:t>愛心全備交情增高</a:t>
+            </a:r>
+            <a:endParaRPr lang="en-US" altLang="zh-TW" sz="6400" b="1" dirty="0">
+              <a:solidFill>
+                <a:srgbClr val="660033"/>
+              </a:solidFill>
+              <a:latin typeface="Microsoft JhengHei" panose="020B0604030504040204" pitchFamily="34" charset="-120"/>
+              <a:ea typeface="Microsoft JhengHei" panose="020B0604030504040204" pitchFamily="34" charset="-120"/>
+            </a:endParaRPr>
+          </a:p>
+          <a:p>
+            <a:pPr marL="0" indent="0" algn="ctr">
+              <a:buNone/>
+            </a:pPr>
+            <a:r>
+              <a:rPr lang="zh-TW" altLang="en-US" sz="6400" b="1" dirty="0">
+                <a:solidFill>
+                  <a:srgbClr val="660033"/>
+                </a:solidFill>
+                <a:latin typeface="Microsoft JhengHei" panose="020B0604030504040204" pitchFamily="34" charset="-120"/>
+                <a:ea typeface="Microsoft JhengHei" panose="020B0604030504040204" pitchFamily="34" charset="-120"/>
+              </a:rPr>
+              <a:t>永享快樂無休</a:t>
+            </a:r>
+            <a:endParaRPr lang="vi-VN" sz="6400" b="1" dirty="0">
+              <a:solidFill>
+                <a:srgbClr val="660033"/>
+              </a:solidFill>
+              <a:latin typeface="Microsoft JhengHei" panose="020B0604030504040204" pitchFamily="34" charset="-120"/>
+              <a:ea typeface="Microsoft JhengHei" panose="020B0604030504040204" pitchFamily="34" charset="-120"/>
+            </a:endParaRPr>
+          </a:p>
+        </p:txBody>
+      </p:sp>
+      <p:sp>
+        <p:nvSpPr>
+          <p:cNvPr id="3" name="TextBox 2"/>
+          <p:cNvSpPr txBox="1"/>
+          <p:nvPr/>
+        </p:nvSpPr>
+        <p:spPr>
+          <a:xfrm>
+            <a:off x="0" y="5061182"/>
+            <a:ext cx="12192000" cy="830997"/>
+          </a:xfrm>
+          <a:prstGeom prst="rect">
+            <a:avLst/>
+          </a:prstGeom>
+          <a:noFill/>
+        </p:spPr>
+        <p:txBody>
+          <a:bodyPr wrap="square" rtlCol="0">
+            <a:spAutoFit/>
+          </a:bodyPr>
+          <a:lstStyle/>
+          <a:p>
+            <a:pPr algn="ctr"/>
+            <a:r>
+              <a:rPr lang="en-US" sz="4800" b="1" dirty="0">
+                <a:solidFill>
+                  <a:srgbClr val="660033"/>
+                </a:solidFill>
+              </a:rPr>
+              <a:t>( 5 / 5 )</a:t>
+            </a:r>
+            <a:endParaRPr lang="vi-VN" sz="4800" b="1" dirty="0">
+              <a:solidFill>
+                <a:srgbClr val="660033"/>
+              </a:solidFill>
+            </a:endParaRPr>
+          </a:p>
+        </p:txBody>
+      </p:sp>
+    </p:spTree>
+    <p:extLst>
+      <p:ext uri="{BB962C8B-B14F-4D97-AF65-F5344CB8AC3E}">
+        <p14:creationId xmlns:p14="http://schemas.microsoft.com/office/powerpoint/2010/main" val="3976499847"/>
+      </p:ext>
+    </p:extLst>
+  </p:cSld>
+  <p:clrMapOvr>
+    <a:masterClrMapping/>
+  </p:clrMapOvr>
+  <p:timing>
+    <p:tnLst>
+      <p:par>
+        <p:cTn id="1" dur="indefinite" restart="never" nodeType="tmRoot"/>
+      </p:par>
+    </p:tnLst>
+  </p:timing>
 </p:sld>
 </file>
 
@@ -3323,168 +3584,80 @@
       </p:grpSpPr>
       <p:sp>
         <p:nvSpPr>
-          <p:cNvPr id="2" name="Title 1"/>
-          <p:cNvSpPr>
-            <a:spLocks noGrp="1"/>
-          </p:cNvSpPr>
-          <p:nvPr>
-            <p:ph type="title"/>
-          </p:nvPr>
-        </p:nvSpPr>
-        <p:spPr/>
-        <p:txBody>
-          <a:bodyPr>
+          <p:cNvPr id="5" name="內容版面配置區 4"/>
+          <p:cNvSpPr>
+            <a:spLocks noGrp="1"/>
+          </p:cNvSpPr>
+          <p:nvPr>
+            <p:ph idx="1"/>
+          </p:nvPr>
+        </p:nvSpPr>
+        <p:spPr>
+          <a:xfrm>
+            <a:off x="0" y="2084851"/>
+            <a:ext cx="12192000" cy="2404863"/>
+          </a:xfrm>
+        </p:spPr>
+        <p:txBody>
+          <a:bodyPr anchor="ctr">
             <a:normAutofit/>
           </a:bodyPr>
           <a:lstStyle/>
           <a:p>
-            <a:r>
-              <a:rPr lang="zh-CN" altLang="en-US" sz="4800" b="1" dirty="0">
+            <a:pPr marL="0" indent="0" algn="ctr">
+              <a:buNone/>
+            </a:pPr>
+            <a:r>
+              <a:rPr lang="zh-TW" altLang="en-US" sz="6400" b="1" dirty="0">
+                <a:solidFill>
+                  <a:srgbClr val="660033"/>
+                </a:solidFill>
                 <a:latin typeface="Microsoft JhengHei" panose="020B0604030504040204" pitchFamily="34" charset="-120"/>
                 <a:ea typeface="Microsoft JhengHei" panose="020B0604030504040204" pitchFamily="34" charset="-120"/>
               </a:rPr>
-              <a:t>以愛相繫</a:t>
-            </a:r>
-            <a:endParaRPr lang="vi-VN" sz="4800" b="1" dirty="0">
+              <a:t>福哉愛主聖徒</a:t>
+            </a:r>
+            <a:endParaRPr lang="en-US" altLang="zh-TW" sz="6400" b="1" dirty="0">
+              <a:solidFill>
+                <a:srgbClr val="660033"/>
+              </a:solidFill>
+              <a:latin typeface="Microsoft JhengHei" panose="020B0604030504040204" pitchFamily="34" charset="-120"/>
               <a:ea typeface="Microsoft JhengHei" panose="020B0604030504040204" pitchFamily="34" charset="-120"/>
             </a:endParaRPr>
           </a:p>
-        </p:txBody>
-      </p:sp>
-      <p:sp>
-        <p:nvSpPr>
-          <p:cNvPr id="3" name="Content Placeholder 2"/>
-          <p:cNvSpPr>
-            <a:spLocks noGrp="1"/>
-          </p:cNvSpPr>
-          <p:nvPr>
-            <p:ph idx="1"/>
-          </p:nvPr>
-        </p:nvSpPr>
-        <p:spPr/>
-        <p:txBody>
-          <a:bodyPr>
-            <a:normAutofit/>
-          </a:bodyPr>
-          <a:lstStyle/>
           <a:p>
             <a:pPr marL="0" indent="0" algn="ctr">
               <a:buNone/>
             </a:pPr>
             <a:r>
-              <a:rPr lang="zh-TW" altLang="en-US" sz="5400" b="1" dirty="0">
+              <a:rPr lang="zh-TW" altLang="en-US" sz="6400" b="1" dirty="0">
+                <a:solidFill>
+                  <a:srgbClr val="660033"/>
+                </a:solidFill>
                 <a:latin typeface="Microsoft JhengHei" panose="020B0604030504040204" pitchFamily="34" charset="-120"/>
                 <a:ea typeface="Microsoft JhengHei" panose="020B0604030504040204" pitchFamily="34" charset="-120"/>
               </a:rPr>
-              <a:t>在父寶座之</a:t>
-            </a:r>
-            <a:r>
-              <a:rPr lang="zh-TW" altLang="en-US" sz="5400" b="1" dirty="0">
-                <a:latin typeface="Microsoft JhengHei" panose="020B0604030504040204" pitchFamily="34" charset="-120"/>
-                <a:ea typeface="Microsoft JhengHei" panose="020B0604030504040204" pitchFamily="34" charset="-120"/>
-              </a:rPr>
-              <a:t>前</a:t>
-            </a:r>
-            <a:endParaRPr lang="en-US" altLang="zh-TW" sz="5400" b="1" dirty="0">
-              <a:latin typeface="Microsoft JhengHei" panose="020B0604030504040204" pitchFamily="34" charset="-120"/>
+              <a:t>彼此以愛相繫</a:t>
+            </a:r>
+            <a:endParaRPr lang="vi-VN" sz="6400" b="1" dirty="0">
+              <a:solidFill>
+                <a:srgbClr val="660033"/>
+              </a:solidFill>
               <a:ea typeface="Microsoft JhengHei" panose="020B0604030504040204" pitchFamily="34" charset="-120"/>
             </a:endParaRPr>
           </a:p>
-          <a:p>
-            <a:pPr marL="0" indent="0" algn="ctr">
-              <a:buNone/>
-            </a:pPr>
-            <a:r>
-              <a:rPr lang="zh-TW" altLang="en-US" sz="5400" b="1" dirty="0">
-                <a:latin typeface="Microsoft JhengHei" panose="020B0604030504040204" pitchFamily="34" charset="-120"/>
-                <a:ea typeface="Microsoft JhengHei" panose="020B0604030504040204" pitchFamily="34" charset="-120"/>
-              </a:rPr>
-              <a:t>互</a:t>
-            </a:r>
-            <a:r>
-              <a:rPr lang="zh-TW" altLang="en-US" sz="5400" b="1" dirty="0">
-                <a:latin typeface="Microsoft JhengHei" panose="020B0604030504040204" pitchFamily="34" charset="-120"/>
-                <a:ea typeface="Microsoft JhengHei" panose="020B0604030504040204" pitchFamily="34" charset="-120"/>
-              </a:rPr>
-              <a:t>相同心祈</a:t>
-            </a:r>
-            <a:r>
-              <a:rPr lang="zh-TW" altLang="en-US" sz="5400" b="1" dirty="0">
-                <a:latin typeface="Microsoft JhengHei" panose="020B0604030504040204" pitchFamily="34" charset="-120"/>
-                <a:ea typeface="Microsoft JhengHei" panose="020B0604030504040204" pitchFamily="34" charset="-120"/>
-              </a:rPr>
-              <a:t>求</a:t>
-            </a:r>
-            <a:endParaRPr lang="en-US" altLang="zh-TW" sz="5400" b="1" dirty="0">
-              <a:latin typeface="Microsoft JhengHei" panose="020B0604030504040204" pitchFamily="34" charset="-120"/>
-              <a:ea typeface="Microsoft JhengHei" panose="020B0604030504040204" pitchFamily="34" charset="-120"/>
-            </a:endParaRPr>
-          </a:p>
-          <a:p>
-            <a:pPr marL="0" indent="0" algn="ctr">
-              <a:buNone/>
-            </a:pPr>
-            <a:r>
-              <a:rPr lang="zh-TW" altLang="en-US" sz="5400" b="1" dirty="0">
-                <a:latin typeface="Microsoft JhengHei" panose="020B0604030504040204" pitchFamily="34" charset="-120"/>
-                <a:ea typeface="Microsoft JhengHei" panose="020B0604030504040204" pitchFamily="34" charset="-120"/>
-              </a:rPr>
-              <a:t>一</a:t>
-            </a:r>
-            <a:r>
-              <a:rPr lang="zh-TW" altLang="en-US" sz="5400" b="1" dirty="0">
-                <a:latin typeface="Microsoft JhengHei" panose="020B0604030504040204" pitchFamily="34" charset="-120"/>
-                <a:ea typeface="Microsoft JhengHei" panose="020B0604030504040204" pitchFamily="34" charset="-120"/>
-              </a:rPr>
-              <a:t>樣盼望一樣懼</a:t>
-            </a:r>
-            <a:r>
-              <a:rPr lang="zh-TW" altLang="en-US" sz="5400" b="1" dirty="0">
-                <a:latin typeface="Microsoft JhengHei" panose="020B0604030504040204" pitchFamily="34" charset="-120"/>
-                <a:ea typeface="Microsoft JhengHei" panose="020B0604030504040204" pitchFamily="34" charset="-120"/>
-              </a:rPr>
-              <a:t>怕</a:t>
-            </a:r>
-            <a:endParaRPr lang="en-US" altLang="zh-TW" sz="5400" b="1" dirty="0">
-              <a:latin typeface="Microsoft JhengHei" panose="020B0604030504040204" pitchFamily="34" charset="-120"/>
-              <a:ea typeface="Microsoft JhengHei" panose="020B0604030504040204" pitchFamily="34" charset="-120"/>
-            </a:endParaRPr>
-          </a:p>
-          <a:p>
-            <a:pPr marL="0" indent="0" algn="ctr">
-              <a:buNone/>
-            </a:pPr>
-            <a:r>
-              <a:rPr lang="zh-TW" altLang="en-US" sz="5400" b="1" dirty="0">
-                <a:latin typeface="Microsoft JhengHei" panose="020B0604030504040204" pitchFamily="34" charset="-120"/>
-                <a:ea typeface="Microsoft JhengHei" panose="020B0604030504040204" pitchFamily="34" charset="-120"/>
-              </a:rPr>
-              <a:t>一</a:t>
-            </a:r>
-            <a:r>
-              <a:rPr lang="zh-TW" altLang="en-US" sz="5400" b="1" dirty="0">
-                <a:latin typeface="Microsoft JhengHei" panose="020B0604030504040204" pitchFamily="34" charset="-120"/>
-                <a:ea typeface="Microsoft JhengHei" panose="020B0604030504040204" pitchFamily="34" charset="-120"/>
-              </a:rPr>
-              <a:t>樣安慰憂愁</a:t>
-            </a:r>
-            <a:endParaRPr lang="vi-VN" sz="5400" b="1" dirty="0">
-              <a:latin typeface="Microsoft JhengHei" panose="020B0604030504040204" pitchFamily="34" charset="-120"/>
-              <a:ea typeface="Microsoft JhengHei" panose="020B0604030504040204" pitchFamily="34" charset="-120"/>
-            </a:endParaRPr>
-          </a:p>
-        </p:txBody>
-      </p:sp>
-      <p:sp>
-        <p:nvSpPr>
-          <p:cNvPr id="4" name="TextBox 3"/>
+        </p:txBody>
+      </p:sp>
+      <p:sp>
+        <p:nvSpPr>
+          <p:cNvPr id="3" name="TextBox 2"/>
           <p:cNvSpPr txBox="1"/>
           <p:nvPr/>
         </p:nvSpPr>
         <p:spPr>
           <a:xfrm>
-            <a:off x="1205339" y="1749794"/>
-            <a:ext cx="1008112" cy="923330"/>
+            <a:off x="0" y="5061182"/>
+            <a:ext cx="12192000" cy="830997"/>
           </a:xfrm>
           <a:prstGeom prst="rect">
             <a:avLst/>
@@ -3497,28 +3670,40 @@
           </a:bodyPr>
           <a:lstStyle/>
           <a:p>
-            <a:r>
-              <a:rPr lang="en-US" sz="5400" b="1" dirty="0"/>
-              <a:t>2</a:t>
-            </a:r>
-            <a:r>
-              <a:rPr lang="en-US" sz="5400" b="1" dirty="0" smtClean="0"/>
-              <a:t>.</a:t>
-            </a:r>
-            <a:endParaRPr lang="vi-VN" sz="5400" b="1" dirty="0"/>
+            <a:pPr algn="ctr"/>
+            <a:r>
+              <a:rPr lang="en-US" sz="4800" b="1" dirty="0">
+                <a:solidFill>
+                  <a:srgbClr val="660033"/>
+                </a:solidFill>
+              </a:rPr>
+              <a:t>( 1 / 5 )</a:t>
+            </a:r>
+            <a:endParaRPr lang="vi-VN" sz="4800" b="1" dirty="0">
+              <a:solidFill>
+                <a:srgbClr val="660033"/>
+              </a:solidFill>
+            </a:endParaRPr>
           </a:p>
         </p:txBody>
       </p:sp>
     </p:spTree>
     <p:extLst>
       <p:ext uri="{BB962C8B-B14F-4D97-AF65-F5344CB8AC3E}">
-        <p14:creationId xmlns:p14="http://schemas.microsoft.com/office/powerpoint/2010/main" val="2644371490"/>
+        <p14:creationId xmlns:p14="http://schemas.microsoft.com/office/powerpoint/2010/main" val="3683268400"/>
       </p:ext>
     </p:extLst>
   </p:cSld>
   <p:clrMapOvr>
     <a:masterClrMapping/>
   </p:clrMapOvr>
+  <p:timing>
+    <p:tnLst>
+      <p:par>
+        <p:cTn id="1" dur="indefinite" restart="never" nodeType="tmRoot"/>
+      </p:par>
+    </p:tnLst>
+  </p:timing>
 </p:sld>
 </file>
 
@@ -3541,168 +3726,80 @@
       </p:grpSpPr>
       <p:sp>
         <p:nvSpPr>
-          <p:cNvPr id="2" name="Title 1"/>
-          <p:cNvSpPr>
-            <a:spLocks noGrp="1"/>
-          </p:cNvSpPr>
-          <p:nvPr>
-            <p:ph type="title"/>
-          </p:nvPr>
-        </p:nvSpPr>
-        <p:spPr/>
-        <p:txBody>
-          <a:bodyPr>
+          <p:cNvPr id="5" name="內容版面配置區 4"/>
+          <p:cNvSpPr>
+            <a:spLocks noGrp="1"/>
+          </p:cNvSpPr>
+          <p:nvPr>
+            <p:ph idx="1"/>
+          </p:nvPr>
+        </p:nvSpPr>
+        <p:spPr>
+          <a:xfrm>
+            <a:off x="0" y="2084851"/>
+            <a:ext cx="12192000" cy="2404863"/>
+          </a:xfrm>
+        </p:spPr>
+        <p:txBody>
+          <a:bodyPr anchor="ctr">
             <a:normAutofit/>
           </a:bodyPr>
           <a:lstStyle/>
           <a:p>
-            <a:r>
-              <a:rPr lang="zh-CN" altLang="en-US" sz="4800" b="1" dirty="0">
+            <a:pPr marL="0" indent="0" algn="ctr">
+              <a:buNone/>
+            </a:pPr>
+            <a:r>
+              <a:rPr lang="zh-TW" altLang="en-US" sz="6400" b="1" dirty="0">
+                <a:solidFill>
+                  <a:srgbClr val="660033"/>
+                </a:solidFill>
                 <a:latin typeface="Microsoft JhengHei" panose="020B0604030504040204" pitchFamily="34" charset="-120"/>
                 <a:ea typeface="Microsoft JhengHei" panose="020B0604030504040204" pitchFamily="34" charset="-120"/>
               </a:rPr>
-              <a:t>以愛相繫</a:t>
-            </a:r>
-            <a:endParaRPr lang="vi-VN" sz="4800" b="1" dirty="0">
+              <a:t>在世和睦同心合意</a:t>
+            </a:r>
+            <a:endParaRPr lang="en-US" altLang="zh-TW" sz="6400" b="1" dirty="0">
+              <a:solidFill>
+                <a:srgbClr val="660033"/>
+              </a:solidFill>
+              <a:latin typeface="Microsoft JhengHei" panose="020B0604030504040204" pitchFamily="34" charset="-120"/>
               <a:ea typeface="Microsoft JhengHei" panose="020B0604030504040204" pitchFamily="34" charset="-120"/>
             </a:endParaRPr>
           </a:p>
-        </p:txBody>
-      </p:sp>
-      <p:sp>
-        <p:nvSpPr>
-          <p:cNvPr id="3" name="Content Placeholder 2"/>
-          <p:cNvSpPr>
-            <a:spLocks noGrp="1"/>
-          </p:cNvSpPr>
-          <p:nvPr>
-            <p:ph idx="1"/>
-          </p:nvPr>
-        </p:nvSpPr>
-        <p:spPr/>
-        <p:txBody>
-          <a:bodyPr>
-            <a:normAutofit/>
-          </a:bodyPr>
-          <a:lstStyle/>
           <a:p>
             <a:pPr marL="0" indent="0" algn="ctr">
               <a:buNone/>
             </a:pPr>
             <a:r>
-              <a:rPr lang="zh-TW" altLang="en-US" sz="5400" b="1" dirty="0">
+              <a:rPr lang="zh-TW" altLang="en-US" sz="6400" b="1" dirty="0">
+                <a:solidFill>
+                  <a:srgbClr val="660033"/>
+                </a:solidFill>
                 <a:latin typeface="Microsoft JhengHei" panose="020B0604030504040204" pitchFamily="34" charset="-120"/>
                 <a:ea typeface="Microsoft JhengHei" panose="020B0604030504040204" pitchFamily="34" charset="-120"/>
               </a:rPr>
-              <a:t>彼此共耐辛</a:t>
-            </a:r>
-            <a:r>
-              <a:rPr lang="zh-TW" altLang="en-US" sz="5400" b="1" dirty="0">
-                <a:latin typeface="Microsoft JhengHei" panose="020B0604030504040204" pitchFamily="34" charset="-120"/>
-                <a:ea typeface="Microsoft JhengHei" panose="020B0604030504040204" pitchFamily="34" charset="-120"/>
-              </a:rPr>
-              <a:t>苦</a:t>
-            </a:r>
-            <a:endParaRPr lang="en-US" altLang="zh-TW" sz="5400" b="1" dirty="0">
-              <a:latin typeface="Microsoft JhengHei" panose="020B0604030504040204" pitchFamily="34" charset="-120"/>
+              <a:t>真如天上無異</a:t>
+            </a:r>
+            <a:endParaRPr lang="vi-VN" sz="6400" b="1" dirty="0">
+              <a:solidFill>
+                <a:srgbClr val="660033"/>
+              </a:solidFill>
               <a:ea typeface="Microsoft JhengHei" panose="020B0604030504040204" pitchFamily="34" charset="-120"/>
             </a:endParaRPr>
           </a:p>
-          <a:p>
-            <a:pPr marL="0" indent="0" algn="ctr">
-              <a:buNone/>
-            </a:pPr>
-            <a:r>
-              <a:rPr lang="zh-TW" altLang="en-US" sz="5400" b="1" dirty="0">
-                <a:latin typeface="Microsoft JhengHei" panose="020B0604030504040204" pitchFamily="34" charset="-120"/>
-                <a:ea typeface="Microsoft JhengHei" panose="020B0604030504040204" pitchFamily="34" charset="-120"/>
-              </a:rPr>
-              <a:t>彼</a:t>
-            </a:r>
-            <a:r>
-              <a:rPr lang="zh-TW" altLang="en-US" sz="5400" b="1" dirty="0">
-                <a:latin typeface="Microsoft JhengHei" panose="020B0604030504040204" pitchFamily="34" charset="-120"/>
-                <a:ea typeface="Microsoft JhengHei" panose="020B0604030504040204" pitchFamily="34" charset="-120"/>
-              </a:rPr>
-              <a:t>此同心負</a:t>
-            </a:r>
-            <a:r>
-              <a:rPr lang="zh-TW" altLang="en-US" sz="5400" b="1" dirty="0">
-                <a:latin typeface="Microsoft JhengHei" panose="020B0604030504040204" pitchFamily="34" charset="-120"/>
-                <a:ea typeface="Microsoft JhengHei" panose="020B0604030504040204" pitchFamily="34" charset="-120"/>
-              </a:rPr>
-              <a:t>擔</a:t>
-            </a:r>
-            <a:endParaRPr lang="en-US" altLang="zh-TW" sz="5400" b="1" dirty="0">
-              <a:latin typeface="Microsoft JhengHei" panose="020B0604030504040204" pitchFamily="34" charset="-120"/>
-              <a:ea typeface="Microsoft JhengHei" panose="020B0604030504040204" pitchFamily="34" charset="-120"/>
-            </a:endParaRPr>
-          </a:p>
-          <a:p>
-            <a:pPr marL="0" indent="0" algn="ctr">
-              <a:buNone/>
-            </a:pPr>
-            <a:r>
-              <a:rPr lang="zh-TW" altLang="en-US" sz="5400" b="1" dirty="0">
-                <a:latin typeface="Microsoft JhengHei" panose="020B0604030504040204" pitchFamily="34" charset="-120"/>
-                <a:ea typeface="Microsoft JhengHei" panose="020B0604030504040204" pitchFamily="34" charset="-120"/>
-              </a:rPr>
-              <a:t>兄</a:t>
-            </a:r>
-            <a:r>
-              <a:rPr lang="zh-TW" altLang="en-US" sz="5400" b="1" dirty="0">
-                <a:latin typeface="Microsoft JhengHei" panose="020B0604030504040204" pitchFamily="34" charset="-120"/>
-                <a:ea typeface="Microsoft JhengHei" panose="020B0604030504040204" pitchFamily="34" charset="-120"/>
-              </a:rPr>
-              <a:t>弟受難我心如</a:t>
-            </a:r>
-            <a:r>
-              <a:rPr lang="zh-TW" altLang="en-US" sz="5400" b="1" dirty="0">
-                <a:latin typeface="Microsoft JhengHei" panose="020B0604030504040204" pitchFamily="34" charset="-120"/>
-                <a:ea typeface="Microsoft JhengHei" panose="020B0604030504040204" pitchFamily="34" charset="-120"/>
-              </a:rPr>
-              <a:t>刺</a:t>
-            </a:r>
-            <a:endParaRPr lang="en-US" altLang="zh-TW" sz="5400" b="1" dirty="0">
-              <a:latin typeface="Microsoft JhengHei" panose="020B0604030504040204" pitchFamily="34" charset="-120"/>
-              <a:ea typeface="Microsoft JhengHei" panose="020B0604030504040204" pitchFamily="34" charset="-120"/>
-            </a:endParaRPr>
-          </a:p>
-          <a:p>
-            <a:pPr marL="0" indent="0" algn="ctr">
-              <a:buNone/>
-            </a:pPr>
-            <a:r>
-              <a:rPr lang="zh-TW" altLang="en-US" sz="5400" b="1" dirty="0">
-                <a:latin typeface="Microsoft JhengHei" panose="020B0604030504040204" pitchFamily="34" charset="-120"/>
-                <a:ea typeface="Microsoft JhengHei" panose="020B0604030504040204" pitchFamily="34" charset="-120"/>
-              </a:rPr>
-              <a:t>靜</a:t>
-            </a:r>
-            <a:r>
-              <a:rPr lang="zh-TW" altLang="en-US" sz="5400" b="1" dirty="0">
-                <a:latin typeface="Microsoft JhengHei" panose="020B0604030504040204" pitchFamily="34" charset="-120"/>
-                <a:ea typeface="Microsoft JhengHei" panose="020B0604030504040204" pitchFamily="34" charset="-120"/>
-              </a:rPr>
-              <a:t>中流淚難堪</a:t>
-            </a:r>
-            <a:endParaRPr lang="vi-VN" sz="5400" b="1" dirty="0">
-              <a:latin typeface="Microsoft JhengHei" panose="020B0604030504040204" pitchFamily="34" charset="-120"/>
-              <a:ea typeface="Microsoft JhengHei" panose="020B0604030504040204" pitchFamily="34" charset="-120"/>
-            </a:endParaRPr>
-          </a:p>
-        </p:txBody>
-      </p:sp>
-      <p:sp>
-        <p:nvSpPr>
-          <p:cNvPr id="4" name="TextBox 3"/>
+        </p:txBody>
+      </p:sp>
+      <p:sp>
+        <p:nvSpPr>
+          <p:cNvPr id="3" name="TextBox 2"/>
           <p:cNvSpPr txBox="1"/>
           <p:nvPr/>
         </p:nvSpPr>
         <p:spPr>
           <a:xfrm>
-            <a:off x="1205339" y="1749794"/>
-            <a:ext cx="1008112" cy="923330"/>
+            <a:off x="0" y="5061182"/>
+            <a:ext cx="12192000" cy="830997"/>
           </a:xfrm>
           <a:prstGeom prst="rect">
             <a:avLst/>
@@ -3715,28 +3812,40 @@
           </a:bodyPr>
           <a:lstStyle/>
           <a:p>
-            <a:r>
-              <a:rPr lang="en-US" sz="5400" b="1" dirty="0"/>
-              <a:t>3</a:t>
-            </a:r>
-            <a:r>
-              <a:rPr lang="en-US" sz="5400" b="1" dirty="0" smtClean="0"/>
-              <a:t>.</a:t>
-            </a:r>
-            <a:endParaRPr lang="vi-VN" sz="5400" b="1" dirty="0"/>
+            <a:pPr algn="ctr"/>
+            <a:r>
+              <a:rPr lang="en-US" sz="4800" b="1" dirty="0">
+                <a:solidFill>
+                  <a:srgbClr val="660033"/>
+                </a:solidFill>
+              </a:rPr>
+              <a:t>( 1 / 5 )</a:t>
+            </a:r>
+            <a:endParaRPr lang="vi-VN" sz="4800" b="1" dirty="0">
+              <a:solidFill>
+                <a:srgbClr val="660033"/>
+              </a:solidFill>
+            </a:endParaRPr>
           </a:p>
         </p:txBody>
       </p:sp>
     </p:spTree>
     <p:extLst>
       <p:ext uri="{BB962C8B-B14F-4D97-AF65-F5344CB8AC3E}">
-        <p14:creationId xmlns:p14="http://schemas.microsoft.com/office/powerpoint/2010/main" val="2359616892"/>
+        <p14:creationId xmlns:p14="http://schemas.microsoft.com/office/powerpoint/2010/main" val="2082746454"/>
       </p:ext>
     </p:extLst>
   </p:cSld>
   <p:clrMapOvr>
     <a:masterClrMapping/>
   </p:clrMapOvr>
+  <p:timing>
+    <p:tnLst>
+      <p:par>
+        <p:cTn id="1" dur="indefinite" restart="never" nodeType="tmRoot"/>
+      </p:par>
+    </p:tnLst>
+  </p:timing>
 </p:sld>
 </file>
 
@@ -3759,168 +3868,81 @@
       </p:grpSpPr>
       <p:sp>
         <p:nvSpPr>
-          <p:cNvPr id="2" name="Title 1"/>
-          <p:cNvSpPr>
-            <a:spLocks noGrp="1"/>
-          </p:cNvSpPr>
-          <p:nvPr>
-            <p:ph type="title"/>
-          </p:nvPr>
-        </p:nvSpPr>
-        <p:spPr/>
-        <p:txBody>
-          <a:bodyPr>
+          <p:cNvPr id="5" name="內容版面配置區 4"/>
+          <p:cNvSpPr>
+            <a:spLocks noGrp="1"/>
+          </p:cNvSpPr>
+          <p:nvPr>
+            <p:ph idx="1"/>
+          </p:nvPr>
+        </p:nvSpPr>
+        <p:spPr>
+          <a:xfrm>
+            <a:off x="0" y="2084851"/>
+            <a:ext cx="12192000" cy="2404863"/>
+          </a:xfrm>
+        </p:spPr>
+        <p:txBody>
+          <a:bodyPr anchor="ctr">
             <a:normAutofit/>
           </a:bodyPr>
           <a:lstStyle/>
           <a:p>
-            <a:r>
-              <a:rPr lang="zh-CN" altLang="en-US" sz="4800" b="1" dirty="0">
+            <a:pPr marL="0" indent="0" algn="ctr">
+              <a:buNone/>
+            </a:pPr>
+            <a:r>
+              <a:rPr lang="zh-TW" altLang="en-US" sz="6400" b="1" dirty="0">
+                <a:solidFill>
+                  <a:srgbClr val="660033"/>
+                </a:solidFill>
                 <a:latin typeface="Microsoft JhengHei" panose="020B0604030504040204" pitchFamily="34" charset="-120"/>
                 <a:ea typeface="Microsoft JhengHei" panose="020B0604030504040204" pitchFamily="34" charset="-120"/>
               </a:rPr>
-              <a:t>以愛相繫</a:t>
-            </a:r>
-            <a:endParaRPr lang="vi-VN" sz="4800" b="1" dirty="0">
+              <a:t>在父寶座之前</a:t>
+            </a:r>
+            <a:endParaRPr lang="en-US" altLang="zh-TW" sz="6400" b="1" dirty="0">
+              <a:solidFill>
+                <a:srgbClr val="660033"/>
+              </a:solidFill>
+              <a:latin typeface="Microsoft JhengHei" panose="020B0604030504040204" pitchFamily="34" charset="-120"/>
               <a:ea typeface="Microsoft JhengHei" panose="020B0604030504040204" pitchFamily="34" charset="-120"/>
             </a:endParaRPr>
           </a:p>
-        </p:txBody>
-      </p:sp>
-      <p:sp>
-        <p:nvSpPr>
-          <p:cNvPr id="3" name="Content Placeholder 2"/>
-          <p:cNvSpPr>
-            <a:spLocks noGrp="1"/>
-          </p:cNvSpPr>
-          <p:nvPr>
-            <p:ph idx="1"/>
-          </p:nvPr>
-        </p:nvSpPr>
-        <p:spPr/>
-        <p:txBody>
-          <a:bodyPr>
-            <a:normAutofit/>
-          </a:bodyPr>
-          <a:lstStyle/>
           <a:p>
             <a:pPr marL="0" indent="0" algn="ctr">
               <a:buNone/>
             </a:pPr>
             <a:r>
-              <a:rPr lang="zh-TW" altLang="en-US" sz="5400" b="1" dirty="0">
+              <a:rPr lang="zh-TW" altLang="en-US" sz="6400" b="1" dirty="0">
+                <a:solidFill>
+                  <a:srgbClr val="660033"/>
+                </a:solidFill>
                 <a:latin typeface="Microsoft JhengHei" panose="020B0604030504040204" pitchFamily="34" charset="-120"/>
                 <a:ea typeface="Microsoft JhengHei" panose="020B0604030504040204" pitchFamily="34" charset="-120"/>
               </a:rPr>
-              <a:t>凡當離別之</a:t>
-            </a:r>
-            <a:r>
-              <a:rPr lang="zh-TW" altLang="en-US" sz="5400" b="1" dirty="0">
-                <a:latin typeface="Microsoft JhengHei" panose="020B0604030504040204" pitchFamily="34" charset="-120"/>
-                <a:ea typeface="Microsoft JhengHei" panose="020B0604030504040204" pitchFamily="34" charset="-120"/>
-              </a:rPr>
-              <a:t>時</a:t>
-            </a:r>
-            <a:endParaRPr lang="en-US" altLang="zh-TW" sz="5400" b="1" dirty="0">
+              <a:t>互相同心祈求</a:t>
+            </a:r>
+            <a:endParaRPr lang="en-US" altLang="zh-TW" sz="6400" b="1" dirty="0">
+              <a:solidFill>
+                <a:srgbClr val="660033"/>
+              </a:solidFill>
               <a:latin typeface="Microsoft JhengHei" panose="020B0604030504040204" pitchFamily="34" charset="-120"/>
               <a:ea typeface="Microsoft JhengHei" panose="020B0604030504040204" pitchFamily="34" charset="-120"/>
             </a:endParaRPr>
           </a:p>
-          <a:p>
-            <a:pPr marL="0" indent="0" algn="ctr">
-              <a:buNone/>
-            </a:pPr>
-            <a:r>
-              <a:rPr lang="zh-TW" altLang="en-US" sz="5400" b="1" dirty="0">
-                <a:latin typeface="Microsoft JhengHei" panose="020B0604030504040204" pitchFamily="34" charset="-120"/>
-                <a:ea typeface="Microsoft JhengHei" panose="020B0604030504040204" pitchFamily="34" charset="-120"/>
-              </a:rPr>
-              <a:t>聖</a:t>
-            </a:r>
-            <a:r>
-              <a:rPr lang="zh-TW" altLang="en-US" sz="5400" b="1" dirty="0">
-                <a:latin typeface="Microsoft JhengHei" panose="020B0604030504040204" pitchFamily="34" charset="-120"/>
-                <a:ea typeface="Microsoft JhengHei" panose="020B0604030504040204" pitchFamily="34" charset="-120"/>
-              </a:rPr>
-              <a:t>徒不用過</a:t>
-            </a:r>
-            <a:r>
-              <a:rPr lang="zh-TW" altLang="en-US" sz="5400" b="1" dirty="0">
-                <a:latin typeface="Microsoft JhengHei" panose="020B0604030504040204" pitchFamily="34" charset="-120"/>
-                <a:ea typeface="Microsoft JhengHei" panose="020B0604030504040204" pitchFamily="34" charset="-120"/>
-              </a:rPr>
-              <a:t>傷</a:t>
-            </a:r>
-            <a:endParaRPr lang="en-US" altLang="zh-TW" sz="5400" b="1" dirty="0">
-              <a:latin typeface="Microsoft JhengHei" panose="020B0604030504040204" pitchFamily="34" charset="-120"/>
-              <a:ea typeface="Microsoft JhengHei" panose="020B0604030504040204" pitchFamily="34" charset="-120"/>
-            </a:endParaRPr>
-          </a:p>
-          <a:p>
-            <a:pPr marL="0" indent="0" algn="ctr">
-              <a:buNone/>
-            </a:pPr>
-            <a:r>
-              <a:rPr lang="zh-TW" altLang="en-US" sz="5400" b="1" dirty="0">
-                <a:latin typeface="Microsoft JhengHei" panose="020B0604030504040204" pitchFamily="34" charset="-120"/>
-                <a:ea typeface="Microsoft JhengHei" panose="020B0604030504040204" pitchFamily="34" charset="-120"/>
-              </a:rPr>
-              <a:t>身</a:t>
-            </a:r>
-            <a:r>
-              <a:rPr lang="zh-TW" altLang="en-US" sz="5400" b="1" dirty="0">
-                <a:latin typeface="Microsoft JhengHei" panose="020B0604030504040204" pitchFamily="34" charset="-120"/>
-                <a:ea typeface="Microsoft JhengHei" panose="020B0604030504040204" pitchFamily="34" charset="-120"/>
-              </a:rPr>
-              <a:t>雖遠離心仍相</a:t>
-            </a:r>
-            <a:r>
-              <a:rPr lang="zh-TW" altLang="en-US" sz="5400" b="1" dirty="0">
-                <a:latin typeface="Microsoft JhengHei" panose="020B0604030504040204" pitchFamily="34" charset="-120"/>
-                <a:ea typeface="Microsoft JhengHei" panose="020B0604030504040204" pitchFamily="34" charset="-120"/>
-              </a:rPr>
-              <a:t>合</a:t>
-            </a:r>
-            <a:endParaRPr lang="en-US" altLang="zh-TW" sz="5400" b="1" dirty="0">
-              <a:latin typeface="Microsoft JhengHei" panose="020B0604030504040204" pitchFamily="34" charset="-120"/>
-              <a:ea typeface="Microsoft JhengHei" panose="020B0604030504040204" pitchFamily="34" charset="-120"/>
-            </a:endParaRPr>
-          </a:p>
-          <a:p>
-            <a:pPr marL="0" indent="0" algn="ctr">
-              <a:buNone/>
-            </a:pPr>
-            <a:r>
-              <a:rPr lang="zh-TW" altLang="en-US" sz="5400" b="1" dirty="0">
-                <a:latin typeface="Microsoft JhengHei" panose="020B0604030504040204" pitchFamily="34" charset="-120"/>
-                <a:ea typeface="Microsoft JhengHei" panose="020B0604030504040204" pitchFamily="34" charset="-120"/>
-              </a:rPr>
-              <a:t>將</a:t>
-            </a:r>
-            <a:r>
-              <a:rPr lang="zh-TW" altLang="en-US" sz="5400" b="1" dirty="0">
-                <a:latin typeface="Microsoft JhengHei" panose="020B0604030504040204" pitchFamily="34" charset="-120"/>
-                <a:ea typeface="Microsoft JhengHei" panose="020B0604030504040204" pitchFamily="34" charset="-120"/>
-              </a:rPr>
-              <a:t>來共住天鄉</a:t>
-            </a:r>
-            <a:endParaRPr lang="vi-VN" sz="5400" b="1" dirty="0">
-              <a:latin typeface="Microsoft JhengHei" panose="020B0604030504040204" pitchFamily="34" charset="-120"/>
-              <a:ea typeface="Microsoft JhengHei" panose="020B0604030504040204" pitchFamily="34" charset="-120"/>
-            </a:endParaRPr>
-          </a:p>
-        </p:txBody>
-      </p:sp>
-      <p:sp>
-        <p:nvSpPr>
-          <p:cNvPr id="4" name="TextBox 3"/>
+        </p:txBody>
+      </p:sp>
+      <p:sp>
+        <p:nvSpPr>
+          <p:cNvPr id="3" name="TextBox 2"/>
           <p:cNvSpPr txBox="1"/>
           <p:nvPr/>
         </p:nvSpPr>
         <p:spPr>
           <a:xfrm>
-            <a:off x="1205339" y="1749794"/>
-            <a:ext cx="1008112" cy="923330"/>
+            <a:off x="0" y="5061182"/>
+            <a:ext cx="12192000" cy="830997"/>
           </a:xfrm>
           <a:prstGeom prst="rect">
             <a:avLst/>
@@ -3933,28 +3955,40 @@
           </a:bodyPr>
           <a:lstStyle/>
           <a:p>
-            <a:r>
-              <a:rPr lang="en-US" sz="5400" b="1" dirty="0"/>
-              <a:t>4</a:t>
-            </a:r>
-            <a:r>
-              <a:rPr lang="en-US" sz="5400" b="1" dirty="0" smtClean="0"/>
-              <a:t>.</a:t>
-            </a:r>
-            <a:endParaRPr lang="vi-VN" sz="5400" b="1" dirty="0"/>
+            <a:pPr algn="ctr"/>
+            <a:r>
+              <a:rPr lang="en-US" sz="4800" b="1" dirty="0">
+                <a:solidFill>
+                  <a:srgbClr val="660033"/>
+                </a:solidFill>
+              </a:rPr>
+              <a:t>( 2 / 5 )</a:t>
+            </a:r>
+            <a:endParaRPr lang="vi-VN" sz="4800" b="1" dirty="0">
+              <a:solidFill>
+                <a:srgbClr val="660033"/>
+              </a:solidFill>
+            </a:endParaRPr>
           </a:p>
         </p:txBody>
       </p:sp>
     </p:spTree>
     <p:extLst>
       <p:ext uri="{BB962C8B-B14F-4D97-AF65-F5344CB8AC3E}">
-        <p14:creationId xmlns:p14="http://schemas.microsoft.com/office/powerpoint/2010/main" val="506456762"/>
+        <p14:creationId xmlns:p14="http://schemas.microsoft.com/office/powerpoint/2010/main" val="991039051"/>
       </p:ext>
     </p:extLst>
   </p:cSld>
   <p:clrMapOvr>
     <a:masterClrMapping/>
   </p:clrMapOvr>
+  <p:timing>
+    <p:tnLst>
+      <p:par>
+        <p:cTn id="1" dur="indefinite" restart="never" nodeType="tmRoot"/>
+      </p:par>
+    </p:tnLst>
+  </p:timing>
 </p:sld>
 </file>
 
@@ -3977,168 +4011,81 @@
       </p:grpSpPr>
       <p:sp>
         <p:nvSpPr>
-          <p:cNvPr id="2" name="Title 1"/>
-          <p:cNvSpPr>
-            <a:spLocks noGrp="1"/>
-          </p:cNvSpPr>
-          <p:nvPr>
-            <p:ph type="title"/>
-          </p:nvPr>
-        </p:nvSpPr>
-        <p:spPr/>
-        <p:txBody>
-          <a:bodyPr>
+          <p:cNvPr id="5" name="內容版面配置區 4"/>
+          <p:cNvSpPr>
+            <a:spLocks noGrp="1"/>
+          </p:cNvSpPr>
+          <p:nvPr>
+            <p:ph idx="1"/>
+          </p:nvPr>
+        </p:nvSpPr>
+        <p:spPr>
+          <a:xfrm>
+            <a:off x="0" y="2084851"/>
+            <a:ext cx="12192000" cy="2404863"/>
+          </a:xfrm>
+        </p:spPr>
+        <p:txBody>
+          <a:bodyPr anchor="ctr">
             <a:normAutofit/>
           </a:bodyPr>
           <a:lstStyle/>
           <a:p>
-            <a:r>
-              <a:rPr lang="zh-CN" altLang="en-US" sz="4800" b="1" dirty="0">
+            <a:pPr marL="0" indent="0" algn="ctr">
+              <a:buNone/>
+            </a:pPr>
+            <a:r>
+              <a:rPr lang="zh-TW" altLang="en-US" sz="6400" b="1" dirty="0">
+                <a:solidFill>
+                  <a:srgbClr val="660033"/>
+                </a:solidFill>
                 <a:latin typeface="Microsoft JhengHei" panose="020B0604030504040204" pitchFamily="34" charset="-120"/>
                 <a:ea typeface="Microsoft JhengHei" panose="020B0604030504040204" pitchFamily="34" charset="-120"/>
               </a:rPr>
-              <a:t>以愛相繫</a:t>
-            </a:r>
-            <a:endParaRPr lang="vi-VN" sz="4800" b="1" dirty="0">
+              <a:t>一樣盼望一樣懼怕</a:t>
+            </a:r>
+            <a:endParaRPr lang="en-US" altLang="zh-TW" sz="6400" b="1" dirty="0">
+              <a:solidFill>
+                <a:srgbClr val="660033"/>
+              </a:solidFill>
+              <a:latin typeface="Microsoft JhengHei" panose="020B0604030504040204" pitchFamily="34" charset="-120"/>
               <a:ea typeface="Microsoft JhengHei" panose="020B0604030504040204" pitchFamily="34" charset="-120"/>
             </a:endParaRPr>
           </a:p>
-        </p:txBody>
-      </p:sp>
-      <p:sp>
-        <p:nvSpPr>
-          <p:cNvPr id="3" name="Content Placeholder 2"/>
-          <p:cNvSpPr>
-            <a:spLocks noGrp="1"/>
-          </p:cNvSpPr>
-          <p:nvPr>
-            <p:ph idx="1"/>
-          </p:nvPr>
-        </p:nvSpPr>
-        <p:spPr/>
-        <p:txBody>
-          <a:bodyPr>
-            <a:normAutofit/>
-          </a:bodyPr>
-          <a:lstStyle/>
           <a:p>
             <a:pPr marL="0" indent="0" algn="ctr">
               <a:buNone/>
             </a:pPr>
             <a:r>
-              <a:rPr lang="zh-TW" altLang="en-US" sz="5400" b="1" dirty="0">
+              <a:rPr lang="zh-TW" altLang="en-US" sz="6400" b="1" dirty="0">
+                <a:solidFill>
+                  <a:srgbClr val="660033"/>
+                </a:solidFill>
                 <a:latin typeface="Microsoft JhengHei" panose="020B0604030504040204" pitchFamily="34" charset="-120"/>
                 <a:ea typeface="Microsoft JhengHei" panose="020B0604030504040204" pitchFamily="34" charset="-120"/>
               </a:rPr>
-              <a:t>在天永無勞</a:t>
-            </a:r>
-            <a:r>
-              <a:rPr lang="zh-TW" altLang="en-US" sz="5400" b="1" dirty="0">
-                <a:latin typeface="Microsoft JhengHei" panose="020B0604030504040204" pitchFamily="34" charset="-120"/>
-                <a:ea typeface="Microsoft JhengHei" panose="020B0604030504040204" pitchFamily="34" charset="-120"/>
-              </a:rPr>
-              <a:t>苦</a:t>
-            </a:r>
-            <a:endParaRPr lang="en-US" altLang="zh-TW" sz="5400" b="1" dirty="0">
+              <a:t>一樣安慰憂愁</a:t>
+            </a:r>
+            <a:endParaRPr lang="vi-VN" sz="6400" b="1" dirty="0">
+              <a:solidFill>
+                <a:srgbClr val="660033"/>
+              </a:solidFill>
               <a:latin typeface="Microsoft JhengHei" panose="020B0604030504040204" pitchFamily="34" charset="-120"/>
               <a:ea typeface="Microsoft JhengHei" panose="020B0604030504040204" pitchFamily="34" charset="-120"/>
             </a:endParaRPr>
           </a:p>
-          <a:p>
-            <a:pPr marL="0" indent="0" algn="ctr">
-              <a:buNone/>
-            </a:pPr>
-            <a:r>
-              <a:rPr lang="zh-TW" altLang="en-US" sz="5400" b="1" dirty="0">
-                <a:latin typeface="Microsoft JhengHei" panose="020B0604030504040204" pitchFamily="34" charset="-120"/>
-                <a:ea typeface="Microsoft JhengHei" panose="020B0604030504040204" pitchFamily="34" charset="-120"/>
-              </a:rPr>
-              <a:t>罪</a:t>
-            </a:r>
-            <a:r>
-              <a:rPr lang="zh-TW" altLang="en-US" sz="5400" b="1" dirty="0">
-                <a:latin typeface="Microsoft JhengHei" panose="020B0604030504040204" pitchFamily="34" charset="-120"/>
-                <a:ea typeface="Microsoft JhengHei" panose="020B0604030504040204" pitchFamily="34" charset="-120"/>
-              </a:rPr>
-              <a:t>孽永無存</a:t>
-            </a:r>
-            <a:r>
-              <a:rPr lang="zh-TW" altLang="en-US" sz="5400" b="1" dirty="0">
-                <a:latin typeface="Microsoft JhengHei" panose="020B0604030504040204" pitchFamily="34" charset="-120"/>
-                <a:ea typeface="Microsoft JhengHei" panose="020B0604030504040204" pitchFamily="34" charset="-120"/>
-              </a:rPr>
-              <a:t>留</a:t>
-            </a:r>
-            <a:endParaRPr lang="en-US" altLang="zh-TW" sz="5400" b="1" dirty="0">
-              <a:latin typeface="Microsoft JhengHei" panose="020B0604030504040204" pitchFamily="34" charset="-120"/>
-              <a:ea typeface="Microsoft JhengHei" panose="020B0604030504040204" pitchFamily="34" charset="-120"/>
-            </a:endParaRPr>
-          </a:p>
-          <a:p>
-            <a:pPr marL="0" indent="0" algn="ctr">
-              <a:buNone/>
-            </a:pPr>
-            <a:r>
-              <a:rPr lang="zh-TW" altLang="en-US" sz="5400" b="1" dirty="0">
-                <a:latin typeface="Microsoft JhengHei" panose="020B0604030504040204" pitchFamily="34" charset="-120"/>
-                <a:ea typeface="Microsoft JhengHei" panose="020B0604030504040204" pitchFamily="34" charset="-120"/>
-              </a:rPr>
-              <a:t>愛</a:t>
-            </a:r>
-            <a:r>
-              <a:rPr lang="zh-TW" altLang="en-US" sz="5400" b="1" dirty="0">
-                <a:latin typeface="Microsoft JhengHei" panose="020B0604030504040204" pitchFamily="34" charset="-120"/>
-                <a:ea typeface="Microsoft JhengHei" panose="020B0604030504040204" pitchFamily="34" charset="-120"/>
-              </a:rPr>
-              <a:t>心全備交情增</a:t>
-            </a:r>
-            <a:r>
-              <a:rPr lang="zh-TW" altLang="en-US" sz="5400" b="1" dirty="0">
-                <a:latin typeface="Microsoft JhengHei" panose="020B0604030504040204" pitchFamily="34" charset="-120"/>
-                <a:ea typeface="Microsoft JhengHei" panose="020B0604030504040204" pitchFamily="34" charset="-120"/>
-              </a:rPr>
-              <a:t>高</a:t>
-            </a:r>
-            <a:endParaRPr lang="en-US" altLang="zh-TW" sz="5400" b="1" dirty="0">
-              <a:latin typeface="Microsoft JhengHei" panose="020B0604030504040204" pitchFamily="34" charset="-120"/>
-              <a:ea typeface="Microsoft JhengHei" panose="020B0604030504040204" pitchFamily="34" charset="-120"/>
-            </a:endParaRPr>
-          </a:p>
-          <a:p>
-            <a:pPr marL="0" indent="0" algn="ctr">
-              <a:buNone/>
-            </a:pPr>
-            <a:r>
-              <a:rPr lang="zh-TW" altLang="en-US" sz="5400" b="1" dirty="0">
-                <a:latin typeface="Microsoft JhengHei" panose="020B0604030504040204" pitchFamily="34" charset="-120"/>
-                <a:ea typeface="Microsoft JhengHei" panose="020B0604030504040204" pitchFamily="34" charset="-120"/>
-              </a:rPr>
-              <a:t>永</a:t>
-            </a:r>
-            <a:r>
-              <a:rPr lang="zh-TW" altLang="en-US" sz="5400" b="1" dirty="0">
-                <a:latin typeface="Microsoft JhengHei" panose="020B0604030504040204" pitchFamily="34" charset="-120"/>
-                <a:ea typeface="Microsoft JhengHei" panose="020B0604030504040204" pitchFamily="34" charset="-120"/>
-              </a:rPr>
-              <a:t>享快樂無休</a:t>
-            </a:r>
-            <a:endParaRPr lang="vi-VN" sz="5400" b="1" dirty="0">
-              <a:latin typeface="Microsoft JhengHei" panose="020B0604030504040204" pitchFamily="34" charset="-120"/>
-              <a:ea typeface="Microsoft JhengHei" panose="020B0604030504040204" pitchFamily="34" charset="-120"/>
-            </a:endParaRPr>
-          </a:p>
-        </p:txBody>
-      </p:sp>
-      <p:sp>
-        <p:nvSpPr>
-          <p:cNvPr id="4" name="TextBox 3"/>
+        </p:txBody>
+      </p:sp>
+      <p:sp>
+        <p:nvSpPr>
+          <p:cNvPr id="3" name="TextBox 2"/>
           <p:cNvSpPr txBox="1"/>
           <p:nvPr/>
         </p:nvSpPr>
         <p:spPr>
           <a:xfrm>
-            <a:off x="1205339" y="1749794"/>
-            <a:ext cx="1008112" cy="923330"/>
+            <a:off x="0" y="5061182"/>
+            <a:ext cx="12192000" cy="830997"/>
           </a:xfrm>
           <a:prstGeom prst="rect">
             <a:avLst/>
@@ -4151,28 +4098,612 @@
           </a:bodyPr>
           <a:lstStyle/>
           <a:p>
-            <a:r>
-              <a:rPr lang="en-US" sz="5400" b="1" dirty="0"/>
-              <a:t>5</a:t>
-            </a:r>
-            <a:r>
-              <a:rPr lang="en-US" sz="5400" b="1" dirty="0" smtClean="0"/>
-              <a:t>.</a:t>
-            </a:r>
-            <a:endParaRPr lang="vi-VN" sz="5400" b="1" dirty="0"/>
+            <a:pPr algn="ctr"/>
+            <a:r>
+              <a:rPr lang="en-US" sz="4800" b="1" dirty="0">
+                <a:solidFill>
+                  <a:srgbClr val="660033"/>
+                </a:solidFill>
+              </a:rPr>
+              <a:t>( 2 / 5 )</a:t>
+            </a:r>
+            <a:endParaRPr lang="vi-VN" sz="4800" b="1" dirty="0">
+              <a:solidFill>
+                <a:srgbClr val="660033"/>
+              </a:solidFill>
+            </a:endParaRPr>
           </a:p>
         </p:txBody>
       </p:sp>
     </p:spTree>
     <p:extLst>
       <p:ext uri="{BB962C8B-B14F-4D97-AF65-F5344CB8AC3E}">
-        <p14:creationId xmlns:p14="http://schemas.microsoft.com/office/powerpoint/2010/main" val="2942303666"/>
+        <p14:creationId xmlns:p14="http://schemas.microsoft.com/office/powerpoint/2010/main" val="3413772162"/>
       </p:ext>
     </p:extLst>
   </p:cSld>
   <p:clrMapOvr>
     <a:masterClrMapping/>
   </p:clrMapOvr>
+  <p:timing>
+    <p:tnLst>
+      <p:par>
+        <p:cTn id="1" dur="indefinite" restart="never" nodeType="tmRoot"/>
+      </p:par>
+    </p:tnLst>
+  </p:timing>
+</p:sld>
+</file>
+
+<file path=ppt/slides/slide6.xml><?xml version="1.0" encoding="utf-8"?>
+<p:sld xmlns:a="http://schemas.openxmlformats.org/drawingml/2006/main" xmlns:r="http://schemas.openxmlformats.org/officeDocument/2006/relationships" xmlns:p="http://schemas.openxmlformats.org/presentationml/2006/main">
+  <p:cSld>
+    <p:spTree>
+      <p:nvGrpSpPr>
+        <p:cNvPr id="1" name=""/>
+        <p:cNvGrpSpPr/>
+        <p:nvPr/>
+      </p:nvGrpSpPr>
+      <p:grpSpPr>
+        <a:xfrm>
+          <a:off x="0" y="0"/>
+          <a:ext cx="0" cy="0"/>
+          <a:chOff x="0" y="0"/>
+          <a:chExt cx="0" cy="0"/>
+        </a:xfrm>
+      </p:grpSpPr>
+      <p:sp>
+        <p:nvSpPr>
+          <p:cNvPr id="5" name="內容版面配置區 4"/>
+          <p:cNvSpPr>
+            <a:spLocks noGrp="1"/>
+          </p:cNvSpPr>
+          <p:nvPr>
+            <p:ph idx="1"/>
+          </p:nvPr>
+        </p:nvSpPr>
+        <p:spPr>
+          <a:xfrm>
+            <a:off x="0" y="2084851"/>
+            <a:ext cx="12192000" cy="2404863"/>
+          </a:xfrm>
+        </p:spPr>
+        <p:txBody>
+          <a:bodyPr anchor="ctr">
+            <a:normAutofit/>
+          </a:bodyPr>
+          <a:lstStyle/>
+          <a:p>
+            <a:pPr marL="0" indent="0" algn="ctr">
+              <a:buNone/>
+            </a:pPr>
+            <a:r>
+              <a:rPr lang="zh-TW" altLang="en-US" sz="6400" b="1" dirty="0">
+                <a:solidFill>
+                  <a:srgbClr val="660033"/>
+                </a:solidFill>
+                <a:latin typeface="Microsoft JhengHei" panose="020B0604030504040204" pitchFamily="34" charset="-120"/>
+                <a:ea typeface="Microsoft JhengHei" panose="020B0604030504040204" pitchFamily="34" charset="-120"/>
+              </a:rPr>
+              <a:t>彼此共耐辛苦</a:t>
+            </a:r>
+            <a:endParaRPr lang="en-US" altLang="zh-TW" sz="6400" b="1" dirty="0">
+              <a:solidFill>
+                <a:srgbClr val="660033"/>
+              </a:solidFill>
+              <a:latin typeface="Microsoft JhengHei" panose="020B0604030504040204" pitchFamily="34" charset="-120"/>
+              <a:ea typeface="Microsoft JhengHei" panose="020B0604030504040204" pitchFamily="34" charset="-120"/>
+            </a:endParaRPr>
+          </a:p>
+          <a:p>
+            <a:pPr marL="0" indent="0" algn="ctr">
+              <a:buNone/>
+            </a:pPr>
+            <a:r>
+              <a:rPr lang="zh-TW" altLang="en-US" sz="6400" b="1" dirty="0">
+                <a:solidFill>
+                  <a:srgbClr val="660033"/>
+                </a:solidFill>
+                <a:latin typeface="Microsoft JhengHei" panose="020B0604030504040204" pitchFamily="34" charset="-120"/>
+                <a:ea typeface="Microsoft JhengHei" panose="020B0604030504040204" pitchFamily="34" charset="-120"/>
+              </a:rPr>
+              <a:t>彼此同心負擔</a:t>
+            </a:r>
+            <a:endParaRPr lang="en-US" altLang="zh-TW" sz="6400" b="1" dirty="0">
+              <a:solidFill>
+                <a:srgbClr val="660033"/>
+              </a:solidFill>
+              <a:latin typeface="Microsoft JhengHei" panose="020B0604030504040204" pitchFamily="34" charset="-120"/>
+              <a:ea typeface="Microsoft JhengHei" panose="020B0604030504040204" pitchFamily="34" charset="-120"/>
+            </a:endParaRPr>
+          </a:p>
+        </p:txBody>
+      </p:sp>
+      <p:sp>
+        <p:nvSpPr>
+          <p:cNvPr id="3" name="TextBox 2"/>
+          <p:cNvSpPr txBox="1"/>
+          <p:nvPr/>
+        </p:nvSpPr>
+        <p:spPr>
+          <a:xfrm>
+            <a:off x="0" y="5061182"/>
+            <a:ext cx="12192000" cy="830997"/>
+          </a:xfrm>
+          <a:prstGeom prst="rect">
+            <a:avLst/>
+          </a:prstGeom>
+          <a:noFill/>
+        </p:spPr>
+        <p:txBody>
+          <a:bodyPr wrap="square" rtlCol="0">
+            <a:spAutoFit/>
+          </a:bodyPr>
+          <a:lstStyle/>
+          <a:p>
+            <a:pPr algn="ctr"/>
+            <a:r>
+              <a:rPr lang="en-US" sz="4800" b="1" dirty="0">
+                <a:solidFill>
+                  <a:srgbClr val="660033"/>
+                </a:solidFill>
+              </a:rPr>
+              <a:t>( 3 / 5 )</a:t>
+            </a:r>
+            <a:endParaRPr lang="vi-VN" sz="4800" b="1" dirty="0">
+              <a:solidFill>
+                <a:srgbClr val="660033"/>
+              </a:solidFill>
+            </a:endParaRPr>
+          </a:p>
+        </p:txBody>
+      </p:sp>
+    </p:spTree>
+    <p:extLst>
+      <p:ext uri="{BB962C8B-B14F-4D97-AF65-F5344CB8AC3E}">
+        <p14:creationId xmlns:p14="http://schemas.microsoft.com/office/powerpoint/2010/main" val="1202102979"/>
+      </p:ext>
+    </p:extLst>
+  </p:cSld>
+  <p:clrMapOvr>
+    <a:masterClrMapping/>
+  </p:clrMapOvr>
+  <p:timing>
+    <p:tnLst>
+      <p:par>
+        <p:cTn id="1" dur="indefinite" restart="never" nodeType="tmRoot"/>
+      </p:par>
+    </p:tnLst>
+  </p:timing>
+</p:sld>
+</file>
+
+<file path=ppt/slides/slide7.xml><?xml version="1.0" encoding="utf-8"?>
+<p:sld xmlns:a="http://schemas.openxmlformats.org/drawingml/2006/main" xmlns:r="http://schemas.openxmlformats.org/officeDocument/2006/relationships" xmlns:p="http://schemas.openxmlformats.org/presentationml/2006/main">
+  <p:cSld>
+    <p:spTree>
+      <p:nvGrpSpPr>
+        <p:cNvPr id="1" name=""/>
+        <p:cNvGrpSpPr/>
+        <p:nvPr/>
+      </p:nvGrpSpPr>
+      <p:grpSpPr>
+        <a:xfrm>
+          <a:off x="0" y="0"/>
+          <a:ext cx="0" cy="0"/>
+          <a:chOff x="0" y="0"/>
+          <a:chExt cx="0" cy="0"/>
+        </a:xfrm>
+      </p:grpSpPr>
+      <p:sp>
+        <p:nvSpPr>
+          <p:cNvPr id="5" name="內容版面配置區 4"/>
+          <p:cNvSpPr>
+            <a:spLocks noGrp="1"/>
+          </p:cNvSpPr>
+          <p:nvPr>
+            <p:ph idx="1"/>
+          </p:nvPr>
+        </p:nvSpPr>
+        <p:spPr>
+          <a:xfrm>
+            <a:off x="0" y="2084851"/>
+            <a:ext cx="12192000" cy="2404863"/>
+          </a:xfrm>
+        </p:spPr>
+        <p:txBody>
+          <a:bodyPr anchor="ctr">
+            <a:normAutofit/>
+          </a:bodyPr>
+          <a:lstStyle/>
+          <a:p>
+            <a:pPr marL="0" indent="0" algn="ctr">
+              <a:buNone/>
+            </a:pPr>
+            <a:r>
+              <a:rPr lang="zh-TW" altLang="en-US" sz="6400" b="1" dirty="0">
+                <a:solidFill>
+                  <a:srgbClr val="660033"/>
+                </a:solidFill>
+                <a:latin typeface="Microsoft JhengHei" panose="020B0604030504040204" pitchFamily="34" charset="-120"/>
+                <a:ea typeface="Microsoft JhengHei" panose="020B0604030504040204" pitchFamily="34" charset="-120"/>
+              </a:rPr>
+              <a:t>兄弟受難我心如刺</a:t>
+            </a:r>
+            <a:endParaRPr lang="en-US" altLang="zh-TW" sz="6400" b="1" dirty="0">
+              <a:solidFill>
+                <a:srgbClr val="660033"/>
+              </a:solidFill>
+              <a:latin typeface="Microsoft JhengHei" panose="020B0604030504040204" pitchFamily="34" charset="-120"/>
+              <a:ea typeface="Microsoft JhengHei" panose="020B0604030504040204" pitchFamily="34" charset="-120"/>
+            </a:endParaRPr>
+          </a:p>
+          <a:p>
+            <a:pPr marL="0" indent="0" algn="ctr">
+              <a:buNone/>
+            </a:pPr>
+            <a:r>
+              <a:rPr lang="zh-TW" altLang="en-US" sz="6400" b="1" dirty="0">
+                <a:solidFill>
+                  <a:srgbClr val="660033"/>
+                </a:solidFill>
+                <a:latin typeface="Microsoft JhengHei" panose="020B0604030504040204" pitchFamily="34" charset="-120"/>
+                <a:ea typeface="Microsoft JhengHei" panose="020B0604030504040204" pitchFamily="34" charset="-120"/>
+              </a:rPr>
+              <a:t>靜中流淚難堪</a:t>
+            </a:r>
+            <a:endParaRPr lang="vi-VN" sz="6400" b="1" dirty="0">
+              <a:solidFill>
+                <a:srgbClr val="660033"/>
+              </a:solidFill>
+              <a:latin typeface="Microsoft JhengHei" panose="020B0604030504040204" pitchFamily="34" charset="-120"/>
+              <a:ea typeface="Microsoft JhengHei" panose="020B0604030504040204" pitchFamily="34" charset="-120"/>
+            </a:endParaRPr>
+          </a:p>
+        </p:txBody>
+      </p:sp>
+      <p:sp>
+        <p:nvSpPr>
+          <p:cNvPr id="3" name="TextBox 2"/>
+          <p:cNvSpPr txBox="1"/>
+          <p:nvPr/>
+        </p:nvSpPr>
+        <p:spPr>
+          <a:xfrm>
+            <a:off x="0" y="5061182"/>
+            <a:ext cx="12192000" cy="830997"/>
+          </a:xfrm>
+          <a:prstGeom prst="rect">
+            <a:avLst/>
+          </a:prstGeom>
+          <a:noFill/>
+        </p:spPr>
+        <p:txBody>
+          <a:bodyPr wrap="square" rtlCol="0">
+            <a:spAutoFit/>
+          </a:bodyPr>
+          <a:lstStyle/>
+          <a:p>
+            <a:pPr algn="ctr"/>
+            <a:r>
+              <a:rPr lang="en-US" sz="4800" b="1" dirty="0">
+                <a:solidFill>
+                  <a:srgbClr val="660033"/>
+                </a:solidFill>
+              </a:rPr>
+              <a:t>( 3 / 5 )</a:t>
+            </a:r>
+            <a:endParaRPr lang="vi-VN" sz="4800" b="1" dirty="0">
+              <a:solidFill>
+                <a:srgbClr val="660033"/>
+              </a:solidFill>
+            </a:endParaRPr>
+          </a:p>
+        </p:txBody>
+      </p:sp>
+    </p:spTree>
+    <p:extLst>
+      <p:ext uri="{BB962C8B-B14F-4D97-AF65-F5344CB8AC3E}">
+        <p14:creationId xmlns:p14="http://schemas.microsoft.com/office/powerpoint/2010/main" val="1521034729"/>
+      </p:ext>
+    </p:extLst>
+  </p:cSld>
+  <p:clrMapOvr>
+    <a:masterClrMapping/>
+  </p:clrMapOvr>
+  <p:timing>
+    <p:tnLst>
+      <p:par>
+        <p:cTn id="1" dur="indefinite" restart="never" nodeType="tmRoot"/>
+      </p:par>
+    </p:tnLst>
+  </p:timing>
+</p:sld>
+</file>
+
+<file path=ppt/slides/slide8.xml><?xml version="1.0" encoding="utf-8"?>
+<p:sld xmlns:a="http://schemas.openxmlformats.org/drawingml/2006/main" xmlns:r="http://schemas.openxmlformats.org/officeDocument/2006/relationships" xmlns:p="http://schemas.openxmlformats.org/presentationml/2006/main">
+  <p:cSld>
+    <p:spTree>
+      <p:nvGrpSpPr>
+        <p:cNvPr id="1" name=""/>
+        <p:cNvGrpSpPr/>
+        <p:nvPr/>
+      </p:nvGrpSpPr>
+      <p:grpSpPr>
+        <a:xfrm>
+          <a:off x="0" y="0"/>
+          <a:ext cx="0" cy="0"/>
+          <a:chOff x="0" y="0"/>
+          <a:chExt cx="0" cy="0"/>
+        </a:xfrm>
+      </p:grpSpPr>
+      <p:sp>
+        <p:nvSpPr>
+          <p:cNvPr id="5" name="內容版面配置區 4"/>
+          <p:cNvSpPr>
+            <a:spLocks noGrp="1"/>
+          </p:cNvSpPr>
+          <p:nvPr>
+            <p:ph idx="1"/>
+          </p:nvPr>
+        </p:nvSpPr>
+        <p:spPr>
+          <a:xfrm>
+            <a:off x="0" y="2084851"/>
+            <a:ext cx="12192000" cy="2404863"/>
+          </a:xfrm>
+        </p:spPr>
+        <p:txBody>
+          <a:bodyPr anchor="ctr">
+            <a:normAutofit/>
+          </a:bodyPr>
+          <a:lstStyle/>
+          <a:p>
+            <a:pPr marL="0" indent="0" algn="ctr">
+              <a:buNone/>
+            </a:pPr>
+            <a:r>
+              <a:rPr lang="zh-TW" altLang="en-US" sz="6400" b="1" dirty="0">
+                <a:solidFill>
+                  <a:srgbClr val="660033"/>
+                </a:solidFill>
+                <a:latin typeface="Microsoft JhengHei" panose="020B0604030504040204" pitchFamily="34" charset="-120"/>
+                <a:ea typeface="Microsoft JhengHei" panose="020B0604030504040204" pitchFamily="34" charset="-120"/>
+              </a:rPr>
+              <a:t>凡當離別之時</a:t>
+            </a:r>
+            <a:endParaRPr lang="en-US" altLang="zh-TW" sz="6400" b="1" dirty="0">
+              <a:solidFill>
+                <a:srgbClr val="660033"/>
+              </a:solidFill>
+              <a:latin typeface="Microsoft JhengHei" panose="020B0604030504040204" pitchFamily="34" charset="-120"/>
+              <a:ea typeface="Microsoft JhengHei" panose="020B0604030504040204" pitchFamily="34" charset="-120"/>
+            </a:endParaRPr>
+          </a:p>
+          <a:p>
+            <a:pPr marL="0" indent="0" algn="ctr">
+              <a:buNone/>
+            </a:pPr>
+            <a:r>
+              <a:rPr lang="zh-TW" altLang="en-US" sz="6400" b="1" dirty="0">
+                <a:solidFill>
+                  <a:srgbClr val="660033"/>
+                </a:solidFill>
+                <a:latin typeface="Microsoft JhengHei" panose="020B0604030504040204" pitchFamily="34" charset="-120"/>
+                <a:ea typeface="Microsoft JhengHei" panose="020B0604030504040204" pitchFamily="34" charset="-120"/>
+              </a:rPr>
+              <a:t>聖徒不用過傷</a:t>
+            </a:r>
+            <a:endParaRPr lang="en-US" altLang="zh-TW" sz="6400" b="1" dirty="0">
+              <a:solidFill>
+                <a:srgbClr val="660033"/>
+              </a:solidFill>
+              <a:latin typeface="Microsoft JhengHei" panose="020B0604030504040204" pitchFamily="34" charset="-120"/>
+              <a:ea typeface="Microsoft JhengHei" panose="020B0604030504040204" pitchFamily="34" charset="-120"/>
+            </a:endParaRPr>
+          </a:p>
+        </p:txBody>
+      </p:sp>
+      <p:sp>
+        <p:nvSpPr>
+          <p:cNvPr id="3" name="TextBox 2"/>
+          <p:cNvSpPr txBox="1"/>
+          <p:nvPr/>
+        </p:nvSpPr>
+        <p:spPr>
+          <a:xfrm>
+            <a:off x="0" y="5061182"/>
+            <a:ext cx="12192000" cy="830997"/>
+          </a:xfrm>
+          <a:prstGeom prst="rect">
+            <a:avLst/>
+          </a:prstGeom>
+          <a:noFill/>
+        </p:spPr>
+        <p:txBody>
+          <a:bodyPr wrap="square" rtlCol="0">
+            <a:spAutoFit/>
+          </a:bodyPr>
+          <a:lstStyle/>
+          <a:p>
+            <a:pPr algn="ctr"/>
+            <a:r>
+              <a:rPr lang="en-US" sz="4800" b="1" dirty="0">
+                <a:solidFill>
+                  <a:srgbClr val="660033"/>
+                </a:solidFill>
+              </a:rPr>
+              <a:t>( 4 / 5 )</a:t>
+            </a:r>
+            <a:endParaRPr lang="vi-VN" sz="4800" b="1" dirty="0">
+              <a:solidFill>
+                <a:srgbClr val="660033"/>
+              </a:solidFill>
+            </a:endParaRPr>
+          </a:p>
+        </p:txBody>
+      </p:sp>
+    </p:spTree>
+    <p:extLst>
+      <p:ext uri="{BB962C8B-B14F-4D97-AF65-F5344CB8AC3E}">
+        <p14:creationId xmlns:p14="http://schemas.microsoft.com/office/powerpoint/2010/main" val="2112977715"/>
+      </p:ext>
+    </p:extLst>
+  </p:cSld>
+  <p:clrMapOvr>
+    <a:masterClrMapping/>
+  </p:clrMapOvr>
+  <p:timing>
+    <p:tnLst>
+      <p:par>
+        <p:cTn id="1" dur="indefinite" restart="never" nodeType="tmRoot"/>
+      </p:par>
+    </p:tnLst>
+  </p:timing>
+</p:sld>
+</file>
+
+<file path=ppt/slides/slide9.xml><?xml version="1.0" encoding="utf-8"?>
+<p:sld xmlns:a="http://schemas.openxmlformats.org/drawingml/2006/main" xmlns:r="http://schemas.openxmlformats.org/officeDocument/2006/relationships" xmlns:p="http://schemas.openxmlformats.org/presentationml/2006/main">
+  <p:cSld>
+    <p:spTree>
+      <p:nvGrpSpPr>
+        <p:cNvPr id="1" name=""/>
+        <p:cNvGrpSpPr/>
+        <p:nvPr/>
+      </p:nvGrpSpPr>
+      <p:grpSpPr>
+        <a:xfrm>
+          <a:off x="0" y="0"/>
+          <a:ext cx="0" cy="0"/>
+          <a:chOff x="0" y="0"/>
+          <a:chExt cx="0" cy="0"/>
+        </a:xfrm>
+      </p:grpSpPr>
+      <p:sp>
+        <p:nvSpPr>
+          <p:cNvPr id="5" name="內容版面配置區 4"/>
+          <p:cNvSpPr>
+            <a:spLocks noGrp="1"/>
+          </p:cNvSpPr>
+          <p:nvPr>
+            <p:ph idx="1"/>
+          </p:nvPr>
+        </p:nvSpPr>
+        <p:spPr>
+          <a:xfrm>
+            <a:off x="0" y="2084851"/>
+            <a:ext cx="12192000" cy="2404863"/>
+          </a:xfrm>
+        </p:spPr>
+        <p:txBody>
+          <a:bodyPr anchor="ctr">
+            <a:normAutofit/>
+          </a:bodyPr>
+          <a:lstStyle/>
+          <a:p>
+            <a:pPr marL="0" indent="0" algn="ctr">
+              <a:buNone/>
+            </a:pPr>
+            <a:r>
+              <a:rPr lang="zh-TW" altLang="en-US" sz="6400" b="1" dirty="0">
+                <a:solidFill>
+                  <a:srgbClr val="660033"/>
+                </a:solidFill>
+                <a:latin typeface="Microsoft JhengHei" panose="020B0604030504040204" pitchFamily="34" charset="-120"/>
+                <a:ea typeface="Microsoft JhengHei" panose="020B0604030504040204" pitchFamily="34" charset="-120"/>
+              </a:rPr>
+              <a:t>身雖遠離心仍相合</a:t>
+            </a:r>
+            <a:endParaRPr lang="en-US" altLang="zh-TW" sz="6400" b="1" dirty="0">
+              <a:solidFill>
+                <a:srgbClr val="660033"/>
+              </a:solidFill>
+              <a:latin typeface="Microsoft JhengHei" panose="020B0604030504040204" pitchFamily="34" charset="-120"/>
+              <a:ea typeface="Microsoft JhengHei" panose="020B0604030504040204" pitchFamily="34" charset="-120"/>
+            </a:endParaRPr>
+          </a:p>
+          <a:p>
+            <a:pPr marL="0" indent="0" algn="ctr">
+              <a:buNone/>
+            </a:pPr>
+            <a:r>
+              <a:rPr lang="zh-TW" altLang="en-US" sz="6400" b="1" dirty="0">
+                <a:solidFill>
+                  <a:srgbClr val="660033"/>
+                </a:solidFill>
+                <a:latin typeface="Microsoft JhengHei" panose="020B0604030504040204" pitchFamily="34" charset="-120"/>
+                <a:ea typeface="Microsoft JhengHei" panose="020B0604030504040204" pitchFamily="34" charset="-120"/>
+              </a:rPr>
+              <a:t>將來共住天鄉</a:t>
+            </a:r>
+            <a:endParaRPr lang="vi-VN" sz="6400" b="1" dirty="0">
+              <a:solidFill>
+                <a:srgbClr val="660033"/>
+              </a:solidFill>
+              <a:latin typeface="Microsoft JhengHei" panose="020B0604030504040204" pitchFamily="34" charset="-120"/>
+              <a:ea typeface="Microsoft JhengHei" panose="020B0604030504040204" pitchFamily="34" charset="-120"/>
+            </a:endParaRPr>
+          </a:p>
+        </p:txBody>
+      </p:sp>
+      <p:sp>
+        <p:nvSpPr>
+          <p:cNvPr id="3" name="TextBox 2"/>
+          <p:cNvSpPr txBox="1"/>
+          <p:nvPr/>
+        </p:nvSpPr>
+        <p:spPr>
+          <a:xfrm>
+            <a:off x="0" y="5061182"/>
+            <a:ext cx="12192000" cy="830997"/>
+          </a:xfrm>
+          <a:prstGeom prst="rect">
+            <a:avLst/>
+          </a:prstGeom>
+          <a:noFill/>
+        </p:spPr>
+        <p:txBody>
+          <a:bodyPr wrap="square" rtlCol="0">
+            <a:spAutoFit/>
+          </a:bodyPr>
+          <a:lstStyle/>
+          <a:p>
+            <a:pPr algn="ctr"/>
+            <a:r>
+              <a:rPr lang="en-US" sz="4800" b="1" dirty="0">
+                <a:solidFill>
+                  <a:srgbClr val="660033"/>
+                </a:solidFill>
+              </a:rPr>
+              <a:t>( 4 / 5 )</a:t>
+            </a:r>
+            <a:endParaRPr lang="vi-VN" sz="4800" b="1" dirty="0">
+              <a:solidFill>
+                <a:srgbClr val="660033"/>
+              </a:solidFill>
+            </a:endParaRPr>
+          </a:p>
+        </p:txBody>
+      </p:sp>
+    </p:spTree>
+    <p:extLst>
+      <p:ext uri="{BB962C8B-B14F-4D97-AF65-F5344CB8AC3E}">
+        <p14:creationId xmlns:p14="http://schemas.microsoft.com/office/powerpoint/2010/main" val="3989565250"/>
+      </p:ext>
+    </p:extLst>
+  </p:cSld>
+  <p:clrMapOvr>
+    <a:masterClrMapping/>
+  </p:clrMapOvr>
+  <p:timing>
+    <p:tnLst>
+      <p:par>
+        <p:cTn id="1" dur="indefinite" restart="never" nodeType="tmRoot"/>
+      </p:par>
+    </p:tnLst>
+  </p:timing>
 </p:sld>
 </file>
 

--- a/宣道詩/(宣道詩213)以愛相繫.pptx
+++ b/宣道詩/(宣道詩213)以愛相繫.pptx
@@ -303,7 +303,7 @@
           <a:p>
             <a:fld id="{48BE76A3-BCAA-4B9D-B783-C5DC5F4144ED}" type="datetimeFigureOut">
               <a:rPr lang="vi-VN" smtClean="0"/>
-              <a:t>21/05/2022</a:t>
+              <a:t>14/10/2023</a:t>
             </a:fld>
             <a:endParaRPr lang="vi-VN"/>
           </a:p>
@@ -473,7 +473,7 @@
           <a:p>
             <a:fld id="{48BE76A3-BCAA-4B9D-B783-C5DC5F4144ED}" type="datetimeFigureOut">
               <a:rPr lang="vi-VN" smtClean="0"/>
-              <a:t>21/05/2022</a:t>
+              <a:t>14/10/2023</a:t>
             </a:fld>
             <a:endParaRPr lang="vi-VN"/>
           </a:p>
@@ -653,7 +653,7 @@
           <a:p>
             <a:fld id="{48BE76A3-BCAA-4B9D-B783-C5DC5F4144ED}" type="datetimeFigureOut">
               <a:rPr lang="vi-VN" smtClean="0"/>
-              <a:t>21/05/2022</a:t>
+              <a:t>14/10/2023</a:t>
             </a:fld>
             <a:endParaRPr lang="vi-VN"/>
           </a:p>
@@ -823,7 +823,7 @@
           <a:p>
             <a:fld id="{48BE76A3-BCAA-4B9D-B783-C5DC5F4144ED}" type="datetimeFigureOut">
               <a:rPr lang="vi-VN" smtClean="0"/>
-              <a:t>21/05/2022</a:t>
+              <a:t>14/10/2023</a:t>
             </a:fld>
             <a:endParaRPr lang="vi-VN"/>
           </a:p>
@@ -1069,7 +1069,7 @@
           <a:p>
             <a:fld id="{48BE76A3-BCAA-4B9D-B783-C5DC5F4144ED}" type="datetimeFigureOut">
               <a:rPr lang="vi-VN" smtClean="0"/>
-              <a:t>21/05/2022</a:t>
+              <a:t>14/10/2023</a:t>
             </a:fld>
             <a:endParaRPr lang="vi-VN"/>
           </a:p>
@@ -1357,7 +1357,7 @@
           <a:p>
             <a:fld id="{48BE76A3-BCAA-4B9D-B783-C5DC5F4144ED}" type="datetimeFigureOut">
               <a:rPr lang="vi-VN" smtClean="0"/>
-              <a:t>21/05/2022</a:t>
+              <a:t>14/10/2023</a:t>
             </a:fld>
             <a:endParaRPr lang="vi-VN"/>
           </a:p>
@@ -1779,7 +1779,7 @@
           <a:p>
             <a:fld id="{48BE76A3-BCAA-4B9D-B783-C5DC5F4144ED}" type="datetimeFigureOut">
               <a:rPr lang="vi-VN" smtClean="0"/>
-              <a:t>21/05/2022</a:t>
+              <a:t>14/10/2023</a:t>
             </a:fld>
             <a:endParaRPr lang="vi-VN"/>
           </a:p>
@@ -1897,7 +1897,7 @@
           <a:p>
             <a:fld id="{48BE76A3-BCAA-4B9D-B783-C5DC5F4144ED}" type="datetimeFigureOut">
               <a:rPr lang="vi-VN" smtClean="0"/>
-              <a:t>21/05/2022</a:t>
+              <a:t>14/10/2023</a:t>
             </a:fld>
             <a:endParaRPr lang="vi-VN"/>
           </a:p>
@@ -1992,7 +1992,7 @@
           <a:p>
             <a:fld id="{48BE76A3-BCAA-4B9D-B783-C5DC5F4144ED}" type="datetimeFigureOut">
               <a:rPr lang="vi-VN" smtClean="0"/>
-              <a:t>21/05/2022</a:t>
+              <a:t>14/10/2023</a:t>
             </a:fld>
             <a:endParaRPr lang="vi-VN"/>
           </a:p>
@@ -2269,7 +2269,7 @@
           <a:p>
             <a:fld id="{48BE76A3-BCAA-4B9D-B783-C5DC5F4144ED}" type="datetimeFigureOut">
               <a:rPr lang="vi-VN" smtClean="0"/>
-              <a:t>21/05/2022</a:t>
+              <a:t>14/10/2023</a:t>
             </a:fld>
             <a:endParaRPr lang="vi-VN"/>
           </a:p>
@@ -2526,7 +2526,7 @@
           <a:p>
             <a:fld id="{48BE76A3-BCAA-4B9D-B783-C5DC5F4144ED}" type="datetimeFigureOut">
               <a:rPr lang="vi-VN" smtClean="0"/>
-              <a:t>21/05/2022</a:t>
+              <a:t>14/10/2023</a:t>
             </a:fld>
             <a:endParaRPr lang="vi-VN"/>
           </a:p>
@@ -2744,7 +2744,7 @@
           <a:p>
             <a:fld id="{48BE76A3-BCAA-4B9D-B783-C5DC5F4144ED}" type="datetimeFigureOut">
               <a:rPr lang="vi-VN" smtClean="0"/>
-              <a:t>21/05/2022</a:t>
+              <a:t>14/10/2023</a:t>
             </a:fld>
             <a:endParaRPr lang="vi-VN"/>
           </a:p>
@@ -3223,24 +3223,7 @@
                 <a:latin typeface="微軟正黑體" pitchFamily="34" charset="-120"/>
                 <a:ea typeface="微軟正黑體" pitchFamily="34" charset="-120"/>
               </a:rPr>
-              <a:t>以</a:t>
-            </a:r>
-            <a:r>
-              <a:rPr lang="zh-CN" altLang="en-US" sz="8000" b="1" dirty="0">
-                <a:solidFill>
-                  <a:srgbClr val="660033"/>
-                </a:solidFill>
-                <a:effectLst>
-                  <a:outerShdw blurRad="38100" dist="38100" dir="2700000" algn="tl">
-                    <a:srgbClr val="000000">
-                      <a:alpha val="43137"/>
-                    </a:srgbClr>
-                  </a:outerShdw>
-                </a:effectLst>
-                <a:latin typeface="微軟正黑體" pitchFamily="34" charset="-120"/>
-                <a:ea typeface="微軟正黑體" pitchFamily="34" charset="-120"/>
-              </a:rPr>
-              <a:t>愛相繫</a:t>
+              <a:t>以愛相繫</a:t>
             </a:r>
             <a:endParaRPr lang="zh-TW" altLang="en-US" sz="8000" b="1" dirty="0">
               <a:solidFill>
@@ -3372,7 +3355,7 @@
         <p:spPr>
           <a:xfrm>
             <a:off x="0" y="5061182"/>
-            <a:ext cx="12192000" cy="830997"/>
+            <a:ext cx="12192000" cy="584775"/>
           </a:xfrm>
           <a:prstGeom prst="rect">
             <a:avLst/>
@@ -3387,14 +3370,14 @@
           <a:p>
             <a:pPr algn="ctr"/>
             <a:r>
-              <a:rPr lang="en-US" sz="4800" b="1" dirty="0">
+              <a:rPr lang="en-US" sz="3200" b="1" dirty="0">
                 <a:solidFill>
                   <a:srgbClr val="660033"/>
                 </a:solidFill>
               </a:rPr>
               <a:t>( 5 / 5 )</a:t>
             </a:r>
-            <a:endParaRPr lang="vi-VN" sz="4800" b="1" dirty="0">
+            <a:endParaRPr lang="vi-VN" sz="3200" b="1" dirty="0">
               <a:solidFill>
                 <a:srgbClr val="660033"/>
               </a:solidFill>
@@ -3515,7 +3498,7 @@
         <p:spPr>
           <a:xfrm>
             <a:off x="0" y="5061182"/>
-            <a:ext cx="12192000" cy="830997"/>
+            <a:ext cx="12192000" cy="584775"/>
           </a:xfrm>
           <a:prstGeom prst="rect">
             <a:avLst/>
@@ -3530,14 +3513,14 @@
           <a:p>
             <a:pPr algn="ctr"/>
             <a:r>
-              <a:rPr lang="en-US" sz="4800" b="1" dirty="0">
+              <a:rPr lang="en-US" sz="3200" b="1" dirty="0">
                 <a:solidFill>
                   <a:srgbClr val="660033"/>
                 </a:solidFill>
               </a:rPr>
               <a:t>( 5 / 5 )</a:t>
             </a:r>
-            <a:endParaRPr lang="vi-VN" sz="4800" b="1" dirty="0">
+            <a:endParaRPr lang="vi-VN" sz="3200" b="1" dirty="0">
               <a:solidFill>
                 <a:srgbClr val="660033"/>
               </a:solidFill>
@@ -3657,7 +3640,7 @@
         <p:spPr>
           <a:xfrm>
             <a:off x="0" y="5061182"/>
-            <a:ext cx="12192000" cy="830997"/>
+            <a:ext cx="12192000" cy="584775"/>
           </a:xfrm>
           <a:prstGeom prst="rect">
             <a:avLst/>
@@ -3672,14 +3655,14 @@
           <a:p>
             <a:pPr algn="ctr"/>
             <a:r>
-              <a:rPr lang="en-US" sz="4800" b="1" dirty="0">
+              <a:rPr lang="en-US" sz="3200" b="1" dirty="0">
                 <a:solidFill>
                   <a:srgbClr val="660033"/>
                 </a:solidFill>
               </a:rPr>
               <a:t>( 1 / 5 )</a:t>
             </a:r>
-            <a:endParaRPr lang="vi-VN" sz="4800" b="1" dirty="0">
+            <a:endParaRPr lang="vi-VN" sz="3200" b="1" dirty="0">
               <a:solidFill>
                 <a:srgbClr val="660033"/>
               </a:solidFill>
@@ -3799,7 +3782,7 @@
         <p:spPr>
           <a:xfrm>
             <a:off x="0" y="5061182"/>
-            <a:ext cx="12192000" cy="830997"/>
+            <a:ext cx="12192000" cy="584775"/>
           </a:xfrm>
           <a:prstGeom prst="rect">
             <a:avLst/>
@@ -3814,14 +3797,14 @@
           <a:p>
             <a:pPr algn="ctr"/>
             <a:r>
-              <a:rPr lang="en-US" sz="4800" b="1" dirty="0">
+              <a:rPr lang="en-US" sz="3200" b="1" dirty="0">
                 <a:solidFill>
                   <a:srgbClr val="660033"/>
                 </a:solidFill>
               </a:rPr>
               <a:t>( 1 / 5 )</a:t>
             </a:r>
-            <a:endParaRPr lang="vi-VN" sz="4800" b="1" dirty="0">
+            <a:endParaRPr lang="vi-VN" sz="3200" b="1" dirty="0">
               <a:solidFill>
                 <a:srgbClr val="660033"/>
               </a:solidFill>
@@ -3942,7 +3925,7 @@
         <p:spPr>
           <a:xfrm>
             <a:off x="0" y="5061182"/>
-            <a:ext cx="12192000" cy="830997"/>
+            <a:ext cx="12192000" cy="584775"/>
           </a:xfrm>
           <a:prstGeom prst="rect">
             <a:avLst/>
@@ -3957,14 +3940,14 @@
           <a:p>
             <a:pPr algn="ctr"/>
             <a:r>
-              <a:rPr lang="en-US" sz="4800" b="1" dirty="0">
+              <a:rPr lang="en-US" sz="3200" b="1" dirty="0">
                 <a:solidFill>
                   <a:srgbClr val="660033"/>
                 </a:solidFill>
               </a:rPr>
               <a:t>( 2 / 5 )</a:t>
             </a:r>
-            <a:endParaRPr lang="vi-VN" sz="4800" b="1" dirty="0">
+            <a:endParaRPr lang="vi-VN" sz="3200" b="1" dirty="0">
               <a:solidFill>
                 <a:srgbClr val="660033"/>
               </a:solidFill>
@@ -4085,7 +4068,7 @@
         <p:spPr>
           <a:xfrm>
             <a:off x="0" y="5061182"/>
-            <a:ext cx="12192000" cy="830997"/>
+            <a:ext cx="12192000" cy="584775"/>
           </a:xfrm>
           <a:prstGeom prst="rect">
             <a:avLst/>
@@ -4100,14 +4083,14 @@
           <a:p>
             <a:pPr algn="ctr"/>
             <a:r>
-              <a:rPr lang="en-US" sz="4800" b="1" dirty="0">
+              <a:rPr lang="en-US" sz="3200" b="1" dirty="0">
                 <a:solidFill>
                   <a:srgbClr val="660033"/>
                 </a:solidFill>
               </a:rPr>
               <a:t>( 2 / 5 )</a:t>
             </a:r>
-            <a:endParaRPr lang="vi-VN" sz="4800" b="1" dirty="0">
+            <a:endParaRPr lang="vi-VN" sz="3200" b="1" dirty="0">
               <a:solidFill>
                 <a:srgbClr val="660033"/>
               </a:solidFill>
@@ -4228,7 +4211,7 @@
         <p:spPr>
           <a:xfrm>
             <a:off x="0" y="5061182"/>
-            <a:ext cx="12192000" cy="830997"/>
+            <a:ext cx="12192000" cy="584775"/>
           </a:xfrm>
           <a:prstGeom prst="rect">
             <a:avLst/>
@@ -4243,14 +4226,14 @@
           <a:p>
             <a:pPr algn="ctr"/>
             <a:r>
-              <a:rPr lang="en-US" sz="4800" b="1" dirty="0">
+              <a:rPr lang="en-US" sz="3200" b="1" dirty="0">
                 <a:solidFill>
                   <a:srgbClr val="660033"/>
                 </a:solidFill>
               </a:rPr>
               <a:t>( 3 / 5 )</a:t>
             </a:r>
-            <a:endParaRPr lang="vi-VN" sz="4800" b="1" dirty="0">
+            <a:endParaRPr lang="vi-VN" sz="3200" b="1" dirty="0">
               <a:solidFill>
                 <a:srgbClr val="660033"/>
               </a:solidFill>
@@ -4371,7 +4354,7 @@
         <p:spPr>
           <a:xfrm>
             <a:off x="0" y="5061182"/>
-            <a:ext cx="12192000" cy="830997"/>
+            <a:ext cx="12192000" cy="584775"/>
           </a:xfrm>
           <a:prstGeom prst="rect">
             <a:avLst/>
@@ -4386,14 +4369,14 @@
           <a:p>
             <a:pPr algn="ctr"/>
             <a:r>
-              <a:rPr lang="en-US" sz="4800" b="1" dirty="0">
+              <a:rPr lang="en-US" sz="3200" b="1" dirty="0">
                 <a:solidFill>
                   <a:srgbClr val="660033"/>
                 </a:solidFill>
               </a:rPr>
               <a:t>( 3 / 5 )</a:t>
             </a:r>
-            <a:endParaRPr lang="vi-VN" sz="4800" b="1" dirty="0">
+            <a:endParaRPr lang="vi-VN" sz="3200" b="1" dirty="0">
               <a:solidFill>
                 <a:srgbClr val="660033"/>
               </a:solidFill>
@@ -4514,7 +4497,7 @@
         <p:spPr>
           <a:xfrm>
             <a:off x="0" y="5061182"/>
-            <a:ext cx="12192000" cy="830997"/>
+            <a:ext cx="12192000" cy="584775"/>
           </a:xfrm>
           <a:prstGeom prst="rect">
             <a:avLst/>
@@ -4529,14 +4512,14 @@
           <a:p>
             <a:pPr algn="ctr"/>
             <a:r>
-              <a:rPr lang="en-US" sz="4800" b="1" dirty="0">
+              <a:rPr lang="en-US" sz="3200" b="1" dirty="0">
                 <a:solidFill>
                   <a:srgbClr val="660033"/>
                 </a:solidFill>
               </a:rPr>
               <a:t>( 4 / 5 )</a:t>
             </a:r>
-            <a:endParaRPr lang="vi-VN" sz="4800" b="1" dirty="0">
+            <a:endParaRPr lang="vi-VN" sz="3200" b="1" dirty="0">
               <a:solidFill>
                 <a:srgbClr val="660033"/>
               </a:solidFill>
@@ -4657,7 +4640,7 @@
         <p:spPr>
           <a:xfrm>
             <a:off x="0" y="5061182"/>
-            <a:ext cx="12192000" cy="830997"/>
+            <a:ext cx="12192000" cy="584775"/>
           </a:xfrm>
           <a:prstGeom prst="rect">
             <a:avLst/>
@@ -4672,14 +4655,14 @@
           <a:p>
             <a:pPr algn="ctr"/>
             <a:r>
-              <a:rPr lang="en-US" sz="4800" b="1" dirty="0">
+              <a:rPr lang="en-US" sz="3200" b="1" dirty="0">
                 <a:solidFill>
                   <a:srgbClr val="660033"/>
                 </a:solidFill>
               </a:rPr>
               <a:t>( 4 / 5 )</a:t>
             </a:r>
-            <a:endParaRPr lang="vi-VN" sz="4800" b="1" dirty="0">
+            <a:endParaRPr lang="vi-VN" sz="3200" b="1" dirty="0">
               <a:solidFill>
                 <a:srgbClr val="660033"/>
               </a:solidFill>
